--- a/HomeWork/Kỳ 3/IAD591.9/Book/Buổi 4/IAD591-Lecture 04 - Practices for KIT Arduino Uno R3 - 02.pptx
+++ b/HomeWork/Kỳ 3/IAD591.9/Book/Buổi 4/IAD591-Lecture 04 - Practices for KIT Arduino Uno R3 - 02.pptx
@@ -1,27 +1,27 @@
 
 <file path=ppt/presentation.xml><?xml version="1.0" encoding="utf-8"?>
-<p:presentation xmlns:a="http://schemas.openxmlformats.org/drawingml/2006/main" xmlns:r="http://schemas.openxmlformats.org/officeDocument/2006/relationships" xmlns:p="http://schemas.openxmlformats.org/presentationml/2006/main" saveSubsetFonts="1" autoCompressPictures="0">
+<p:presentation xmlns:a="http://schemas.openxmlformats.org/drawingml/2006/main" xmlns:r="http://schemas.openxmlformats.org/officeDocument/2006/relationships" xmlns:p="http://schemas.openxmlformats.org/presentationml/2006/main" autoCompressPictures="0">
   <p:sldMasterIdLst>
-    <p:sldMasterId id="2147483660" r:id="rId1"/>
-    <p:sldMasterId id="2147483672" r:id="rId2"/>
+    <p:sldMasterId id="2147483648" r:id="rId1"/>
+    <p:sldMasterId id="2147483660" r:id="rId3"/>
   </p:sldMasterIdLst>
   <p:notesMasterIdLst>
-    <p:notesMasterId r:id="rId13"/>
+    <p:notesMasterId r:id="rId6"/>
   </p:notesMasterIdLst>
   <p:handoutMasterIdLst>
-    <p:handoutMasterId r:id="rId14"/>
+    <p:handoutMasterId r:id="rId15"/>
   </p:handoutMasterIdLst>
   <p:sldIdLst>
-    <p:sldId id="264" r:id="rId3"/>
-    <p:sldId id="289" r:id="rId4"/>
-    <p:sldId id="288" r:id="rId5"/>
-    <p:sldId id="291" r:id="rId6"/>
-    <p:sldId id="296" r:id="rId7"/>
-    <p:sldId id="292" r:id="rId8"/>
-    <p:sldId id="293" r:id="rId9"/>
-    <p:sldId id="277" r:id="rId10"/>
-    <p:sldId id="279" r:id="rId11"/>
-    <p:sldId id="280" r:id="rId12"/>
+    <p:sldId id="264" r:id="rId4"/>
+    <p:sldId id="289" r:id="rId5"/>
+    <p:sldId id="288" r:id="rId7"/>
+    <p:sldId id="291" r:id="rId8"/>
+    <p:sldId id="296" r:id="rId9"/>
+    <p:sldId id="292" r:id="rId10"/>
+    <p:sldId id="293" r:id="rId11"/>
+    <p:sldId id="277" r:id="rId12"/>
+    <p:sldId id="279" r:id="rId13"/>
+    <p:sldId id="280" r:id="rId14"/>
   </p:sldIdLst>
   <p:sldSz cx="9144000" cy="6858000" type="screen4x3"/>
   <p:notesSz cx="6858000" cy="9144000"/>
@@ -40,8 +40,8 @@
         <a:solidFill>
           <a:schemeClr val="tx1"/>
         </a:solidFill>
-        <a:latin typeface="Arial" pitchFamily="34" charset="0"/>
-        <a:ea typeface="ＭＳ Ｐゴシック" pitchFamily="34" charset="-128"/>
+        <a:latin typeface="Arial" panose="020B0604020202020204" pitchFamily="34" charset="0"/>
+        <a:ea typeface="MS PGothic" panose="020B0600070205080204" pitchFamily="34" charset="-128"/>
         <a:cs typeface="+mn-cs"/>
       </a:defRPr>
     </a:lvl1pPr>
@@ -56,8 +56,8 @@
         <a:solidFill>
           <a:schemeClr val="tx1"/>
         </a:solidFill>
-        <a:latin typeface="Arial" pitchFamily="34" charset="0"/>
-        <a:ea typeface="ＭＳ Ｐゴシック" pitchFamily="34" charset="-128"/>
+        <a:latin typeface="Arial" panose="020B0604020202020204" pitchFamily="34" charset="0"/>
+        <a:ea typeface="MS PGothic" panose="020B0600070205080204" pitchFamily="34" charset="-128"/>
         <a:cs typeface="+mn-cs"/>
       </a:defRPr>
     </a:lvl2pPr>
@@ -72,8 +72,8 @@
         <a:solidFill>
           <a:schemeClr val="tx1"/>
         </a:solidFill>
-        <a:latin typeface="Arial" pitchFamily="34" charset="0"/>
-        <a:ea typeface="ＭＳ Ｐゴシック" pitchFamily="34" charset="-128"/>
+        <a:latin typeface="Arial" panose="020B0604020202020204" pitchFamily="34" charset="0"/>
+        <a:ea typeface="MS PGothic" panose="020B0600070205080204" pitchFamily="34" charset="-128"/>
         <a:cs typeface="+mn-cs"/>
       </a:defRPr>
     </a:lvl3pPr>
@@ -88,8 +88,8 @@
         <a:solidFill>
           <a:schemeClr val="tx1"/>
         </a:solidFill>
-        <a:latin typeface="Arial" pitchFamily="34" charset="0"/>
-        <a:ea typeface="ＭＳ Ｐゴシック" pitchFamily="34" charset="-128"/>
+        <a:latin typeface="Arial" panose="020B0604020202020204" pitchFamily="34" charset="0"/>
+        <a:ea typeface="MS PGothic" panose="020B0600070205080204" pitchFamily="34" charset="-128"/>
         <a:cs typeface="+mn-cs"/>
       </a:defRPr>
     </a:lvl4pPr>
@@ -104,8 +104,8 @@
         <a:solidFill>
           <a:schemeClr val="tx1"/>
         </a:solidFill>
-        <a:latin typeface="Arial" pitchFamily="34" charset="0"/>
-        <a:ea typeface="ＭＳ Ｐゴシック" pitchFamily="34" charset="-128"/>
+        <a:latin typeface="Arial" panose="020B0604020202020204" pitchFamily="34" charset="0"/>
+        <a:ea typeface="MS PGothic" panose="020B0600070205080204" pitchFamily="34" charset="-128"/>
         <a:cs typeface="+mn-cs"/>
       </a:defRPr>
     </a:lvl5pPr>
@@ -114,8 +114,8 @@
         <a:solidFill>
           <a:schemeClr val="tx1"/>
         </a:solidFill>
-        <a:latin typeface="Arial" pitchFamily="34" charset="0"/>
-        <a:ea typeface="ＭＳ Ｐゴシック" pitchFamily="34" charset="-128"/>
+        <a:latin typeface="Arial" panose="020B0604020202020204" pitchFamily="34" charset="0"/>
+        <a:ea typeface="MS PGothic" panose="020B0600070205080204" pitchFamily="34" charset="-128"/>
         <a:cs typeface="+mn-cs"/>
       </a:defRPr>
     </a:lvl6pPr>
@@ -124,8 +124,8 @@
         <a:solidFill>
           <a:schemeClr val="tx1"/>
         </a:solidFill>
-        <a:latin typeface="Arial" pitchFamily="34" charset="0"/>
-        <a:ea typeface="ＭＳ Ｐゴシック" pitchFamily="34" charset="-128"/>
+        <a:latin typeface="Arial" panose="020B0604020202020204" pitchFamily="34" charset="0"/>
+        <a:ea typeface="MS PGothic" panose="020B0600070205080204" pitchFamily="34" charset="-128"/>
         <a:cs typeface="+mn-cs"/>
       </a:defRPr>
     </a:lvl7pPr>
@@ -134,8 +134,8 @@
         <a:solidFill>
           <a:schemeClr val="tx1"/>
         </a:solidFill>
-        <a:latin typeface="Arial" pitchFamily="34" charset="0"/>
-        <a:ea typeface="ＭＳ Ｐゴシック" pitchFamily="34" charset="-128"/>
+        <a:latin typeface="Arial" panose="020B0604020202020204" pitchFamily="34" charset="0"/>
+        <a:ea typeface="MS PGothic" panose="020B0600070205080204" pitchFamily="34" charset="-128"/>
         <a:cs typeface="+mn-cs"/>
       </a:defRPr>
     </a:lvl8pPr>
@@ -144,8 +144,8 @@
         <a:solidFill>
           <a:schemeClr val="tx1"/>
         </a:solidFill>
-        <a:latin typeface="Arial" pitchFamily="34" charset="0"/>
-        <a:ea typeface="ＭＳ Ｐゴシック" pitchFamily="34" charset="-128"/>
+        <a:latin typeface="Arial" panose="020B0604020202020204" pitchFamily="34" charset="0"/>
+        <a:ea typeface="MS PGothic" panose="020B0600070205080204" pitchFamily="34" charset="-128"/>
         <a:cs typeface="+mn-cs"/>
       </a:defRPr>
     </a:lvl9pPr>
@@ -153,31 +153,17 @@
   <p:extLst>
     <p:ext uri="{EFAFB233-063F-42B5-8137-9DF3F51BA10A}">
       <p15:sldGuideLst xmlns:p15="http://schemas.microsoft.com/office/powerpoint/2012/main">
-        <p15:guide id="1" orient="horz" pos="2160">
+        <p15:guide id="1" orient="horz" pos="2160" userDrawn="1">
           <p15:clr>
             <a:srgbClr val="A4A3A4"/>
           </p15:clr>
         </p15:guide>
-        <p15:guide id="2" pos="2880">
+        <p15:guide id="2" pos="2880" userDrawn="1">
           <p15:clr>
             <a:srgbClr val="A4A3A4"/>
           </p15:clr>
         </p15:guide>
       </p15:sldGuideLst>
-    </p:ext>
-    <p:ext uri="{2D200454-40CA-4A62-9FC3-DE9A4176ACB9}">
-      <p15:notesGuideLst xmlns:p15="http://schemas.microsoft.com/office/powerpoint/2012/main">
-        <p15:guide id="1" orient="horz" pos="2880">
-          <p15:clr>
-            <a:srgbClr val="A4A3A4"/>
-          </p15:clr>
-        </p15:guide>
-        <p15:guide id="2" pos="2160">
-          <p15:clr>
-            <a:srgbClr val="A4A3A4"/>
-          </p15:clr>
-        </p15:guide>
-      </p15:notesGuideLst>
     </p:ext>
   </p:extLst>
 </p:presentation>
@@ -265,8 +251,6 @@
           <a:p>
             <a:fld id="{E8DEDA80-2945-4F5A-BE18-00EA5FD1BBB3}" type="datetimeFigureOut">
               <a:rPr lang="en-US" smtClean="0"/>
-              <a:pPr/>
-              <a:t>5/30/2024</a:t>
             </a:fld>
             <a:endParaRPr lang="en-US"/>
           </a:p>
@@ -332,19 +316,12 @@
           <a:p>
             <a:fld id="{08A7A21C-CB19-4671-AED8-D20320CF7230}" type="slidenum">
               <a:rPr lang="en-US" smtClean="0"/>
-              <a:pPr/>
-              <a:t>‹#›</a:t>
             </a:fld>
             <a:endParaRPr lang="en-US"/>
           </a:p>
         </p:txBody>
       </p:sp>
     </p:spTree>
-    <p:extLst>
-      <p:ext uri="{BB962C8B-B14F-4D97-AF65-F5344CB8AC3E}">
-        <p14:creationId xmlns:p14="http://schemas.microsoft.com/office/powerpoint/2010/main" val="3291983655"/>
-      </p:ext>
-    </p:extLst>
   </p:cSld>
   <p:clrMap bg1="lt1" tx1="dk1" bg2="lt2" tx2="dk2" accent1="accent1" accent2="accent2" accent3="accent3" accent4="accent4" accent5="accent5" accent6="accent6" hlink="hlink" folHlink="folHlink"/>
   <p:hf hdr="0" dt="0"/>
@@ -433,8 +410,6 @@
           <a:p>
             <a:fld id="{4AD27008-8E94-4BE3-85A4-DBB55C91822D}" type="datetimeFigureOut">
               <a:rPr lang="en-US" smtClean="0"/>
-              <a:pPr/>
-              <a:t>5/30/2024</a:t>
             </a:fld>
             <a:endParaRPr lang="en-US"/>
           </a:p>
@@ -503,6 +478,7 @@
               <a:rPr lang="en-US"/>
               <a:t>Click to edit Master text styles</a:t>
             </a:r>
+            <a:endParaRPr lang="en-US"/>
           </a:p>
           <a:p>
             <a:pPr lvl="1"/>
@@ -510,6 +486,7 @@
               <a:rPr lang="en-US"/>
               <a:t>Second level</a:t>
             </a:r>
+            <a:endParaRPr lang="en-US"/>
           </a:p>
           <a:p>
             <a:pPr lvl="2"/>
@@ -517,6 +494,7 @@
               <a:rPr lang="en-US"/>
               <a:t>Third level</a:t>
             </a:r>
+            <a:endParaRPr lang="en-US"/>
           </a:p>
           <a:p>
             <a:pPr lvl="3"/>
@@ -524,6 +502,7 @@
               <a:rPr lang="en-US"/>
               <a:t>Fourth level</a:t>
             </a:r>
+            <a:endParaRPr lang="en-US"/>
           </a:p>
           <a:p>
             <a:pPr lvl="4"/>
@@ -531,6 +510,7 @@
               <a:rPr lang="en-US"/>
               <a:t>Fifth level</a:t>
             </a:r>
+            <a:endParaRPr lang="en-US"/>
           </a:p>
         </p:txBody>
       </p:sp>
@@ -594,19 +574,12 @@
           <a:p>
             <a:fld id="{9136913C-23B8-4992-AD31-197833DF19AE}" type="slidenum">
               <a:rPr lang="en-US" smtClean="0"/>
-              <a:pPr/>
-              <a:t>‹#›</a:t>
             </a:fld>
             <a:endParaRPr lang="en-US"/>
           </a:p>
         </p:txBody>
       </p:sp>
     </p:spTree>
-    <p:extLst>
-      <p:ext uri="{BB962C8B-B14F-4D97-AF65-F5344CB8AC3E}">
-        <p14:creationId xmlns:p14="http://schemas.microsoft.com/office/powerpoint/2010/main" val="2907892562"/>
-      </p:ext>
-    </p:extLst>
   </p:cSld>
   <p:clrMap bg1="lt1" tx1="dk1" bg2="lt2" tx2="dk2" accent1="accent1" accent2="accent2" accent3="accent3" accent4="accent4" accent5="accent5" accent6="accent6" hlink="hlink" folHlink="folHlink"/>
   <p:hf hdr="0" dt="0"/>
@@ -807,19 +780,12 @@
           <a:p>
             <a:fld id="{9136913C-23B8-4992-AD31-197833DF19AE}" type="slidenum">
               <a:rPr lang="en-US" smtClean="0"/>
-              <a:pPr/>
-              <a:t>2</a:t>
             </a:fld>
             <a:endParaRPr lang="en-US"/>
           </a:p>
         </p:txBody>
       </p:sp>
     </p:spTree>
-    <p:extLst>
-      <p:ext uri="{BB962C8B-B14F-4D97-AF65-F5344CB8AC3E}">
-        <p14:creationId xmlns:p14="http://schemas.microsoft.com/office/powerpoint/2010/main" val="4100205714"/>
-      </p:ext>
-    </p:extLst>
   </p:cSld>
   <p:clrMapOvr>
     <a:masterClrMapping/>
@@ -929,19 +895,12 @@
           <a:p>
             <a:fld id="{9136913C-23B8-4992-AD31-197833DF19AE}" type="slidenum">
               <a:rPr lang="en-US" smtClean="0"/>
-              <a:pPr/>
-              <a:t>3</a:t>
             </a:fld>
             <a:endParaRPr lang="en-US"/>
           </a:p>
         </p:txBody>
       </p:sp>
     </p:spTree>
-    <p:extLst>
-      <p:ext uri="{BB962C8B-B14F-4D97-AF65-F5344CB8AC3E}">
-        <p14:creationId xmlns:p14="http://schemas.microsoft.com/office/powerpoint/2010/main" val="723143726"/>
-      </p:ext>
-    </p:extLst>
   </p:cSld>
   <p:clrMapOvr>
     <a:masterClrMapping/>
@@ -1051,19 +1010,12 @@
           <a:p>
             <a:fld id="{9136913C-23B8-4992-AD31-197833DF19AE}" type="slidenum">
               <a:rPr lang="en-US" smtClean="0"/>
-              <a:pPr/>
-              <a:t>4</a:t>
             </a:fld>
             <a:endParaRPr lang="en-US"/>
           </a:p>
         </p:txBody>
       </p:sp>
     </p:spTree>
-    <p:extLst>
-      <p:ext uri="{BB962C8B-B14F-4D97-AF65-F5344CB8AC3E}">
-        <p14:creationId xmlns:p14="http://schemas.microsoft.com/office/powerpoint/2010/main" val="2871595505"/>
-      </p:ext>
-    </p:extLst>
   </p:cSld>
   <p:clrMapOvr>
     <a:masterClrMapping/>
@@ -1173,19 +1125,12 @@
           <a:p>
             <a:fld id="{9136913C-23B8-4992-AD31-197833DF19AE}" type="slidenum">
               <a:rPr lang="en-US" smtClean="0"/>
-              <a:pPr/>
-              <a:t>5</a:t>
             </a:fld>
             <a:endParaRPr lang="en-US"/>
           </a:p>
         </p:txBody>
       </p:sp>
     </p:spTree>
-    <p:extLst>
-      <p:ext uri="{BB962C8B-B14F-4D97-AF65-F5344CB8AC3E}">
-        <p14:creationId xmlns:p14="http://schemas.microsoft.com/office/powerpoint/2010/main" val="3725496212"/>
-      </p:ext>
-    </p:extLst>
   </p:cSld>
   <p:clrMapOvr>
     <a:masterClrMapping/>
@@ -1295,19 +1240,12 @@
           <a:p>
             <a:fld id="{9136913C-23B8-4992-AD31-197833DF19AE}" type="slidenum">
               <a:rPr lang="en-US" smtClean="0"/>
-              <a:pPr/>
-              <a:t>6</a:t>
             </a:fld>
             <a:endParaRPr lang="en-US"/>
           </a:p>
         </p:txBody>
       </p:sp>
     </p:spTree>
-    <p:extLst>
-      <p:ext uri="{BB962C8B-B14F-4D97-AF65-F5344CB8AC3E}">
-        <p14:creationId xmlns:p14="http://schemas.microsoft.com/office/powerpoint/2010/main" val="1968752609"/>
-      </p:ext>
-    </p:extLst>
   </p:cSld>
   <p:clrMapOvr>
     <a:masterClrMapping/>
@@ -1417,19 +1355,12 @@
           <a:p>
             <a:fld id="{9136913C-23B8-4992-AD31-197833DF19AE}" type="slidenum">
               <a:rPr lang="en-US" smtClean="0"/>
-              <a:pPr/>
-              <a:t>7</a:t>
             </a:fld>
             <a:endParaRPr lang="en-US"/>
           </a:p>
         </p:txBody>
       </p:sp>
     </p:spTree>
-    <p:extLst>
-      <p:ext uri="{BB962C8B-B14F-4D97-AF65-F5344CB8AC3E}">
-        <p14:creationId xmlns:p14="http://schemas.microsoft.com/office/powerpoint/2010/main" val="1157620608"/>
-      </p:ext>
-    </p:extLst>
   </p:cSld>
   <p:clrMapOvr>
     <a:masterClrMapping/>
@@ -1539,19 +1470,12 @@
           <a:p>
             <a:fld id="{9136913C-23B8-4992-AD31-197833DF19AE}" type="slidenum">
               <a:rPr lang="en-US" smtClean="0"/>
-              <a:pPr/>
-              <a:t>8</a:t>
             </a:fld>
             <a:endParaRPr lang="en-US"/>
           </a:p>
         </p:txBody>
       </p:sp>
     </p:spTree>
-    <p:extLst>
-      <p:ext uri="{BB962C8B-B14F-4D97-AF65-F5344CB8AC3E}">
-        <p14:creationId xmlns:p14="http://schemas.microsoft.com/office/powerpoint/2010/main" val="3981132593"/>
-      </p:ext>
-    </p:extLst>
   </p:cSld>
   <p:clrMapOvr>
     <a:masterClrMapping/>
@@ -1661,19 +1585,12 @@
           <a:p>
             <a:fld id="{9136913C-23B8-4992-AD31-197833DF19AE}" type="slidenum">
               <a:rPr lang="en-US" smtClean="0"/>
-              <a:pPr/>
-              <a:t>9</a:t>
             </a:fld>
             <a:endParaRPr lang="en-US"/>
           </a:p>
         </p:txBody>
       </p:sp>
     </p:spTree>
-    <p:extLst>
-      <p:ext uri="{BB962C8B-B14F-4D97-AF65-F5344CB8AC3E}">
-        <p14:creationId xmlns:p14="http://schemas.microsoft.com/office/powerpoint/2010/main" val="3114109997"/>
-      </p:ext>
-    </p:extLst>
   </p:cSld>
   <p:clrMapOvr>
     <a:masterClrMapping/>
@@ -1783,19 +1700,12 @@
           <a:p>
             <a:fld id="{9136913C-23B8-4992-AD31-197833DF19AE}" type="slidenum">
               <a:rPr lang="en-US" smtClean="0"/>
-              <a:pPr/>
-              <a:t>10</a:t>
             </a:fld>
             <a:endParaRPr lang="en-US"/>
           </a:p>
         </p:txBody>
       </p:sp>
     </p:spTree>
-    <p:extLst>
-      <p:ext uri="{BB962C8B-B14F-4D97-AF65-F5344CB8AC3E}">
-        <p14:creationId xmlns:p14="http://schemas.microsoft.com/office/powerpoint/2010/main" val="3785584471"/>
-      </p:ext>
-    </p:extLst>
   </p:cSld>
   <p:clrMapOvr>
     <a:masterClrMapping/>
@@ -1844,6 +1754,7 @@
               <a:rPr lang="en-US"/>
               <a:t>Click to edit Master title style</a:t>
             </a:r>
+            <a:endParaRPr lang="en-US"/>
           </a:p>
         </p:txBody>
       </p:sp>
@@ -1962,6 +1873,7 @@
               <a:rPr lang="en-US"/>
               <a:t>Click to edit Master subtitle style</a:t>
             </a:r>
+            <a:endParaRPr lang="en-US"/>
           </a:p>
         </p:txBody>
       </p:sp>
@@ -1982,8 +1894,6 @@
           <a:p>
             <a:fld id="{D98EC6FA-7C93-468E-A575-EDCD81EEFF70}" type="datetimeFigureOut">
               <a:rPr lang="en-US" smtClean="0"/>
-              <a:pPr/>
-              <a:t>5/30/2024</a:t>
             </a:fld>
             <a:endParaRPr lang="en-US"/>
           </a:p>
@@ -2025,8 +1935,6 @@
           <a:p>
             <a:fld id="{2B939A09-3475-4C1B-8F36-74BF0EBA845E}" type="slidenum">
               <a:rPr lang="en-US" smtClean="0"/>
-              <a:pPr/>
-              <a:t>‹#›</a:t>
             </a:fld>
             <a:endParaRPr lang="en-US"/>
           </a:p>
@@ -2076,6 +1984,7 @@
               <a:rPr lang="en-US"/>
               <a:t>Click to edit Master title style</a:t>
             </a:r>
+            <a:endParaRPr lang="en-US"/>
           </a:p>
         </p:txBody>
       </p:sp>
@@ -2099,6 +2008,7 @@
               <a:rPr lang="en-US"/>
               <a:t>Click to edit Master text styles</a:t>
             </a:r>
+            <a:endParaRPr lang="en-US"/>
           </a:p>
           <a:p>
             <a:pPr lvl="1"/>
@@ -2106,6 +2016,7 @@
               <a:rPr lang="en-US"/>
               <a:t>Second level</a:t>
             </a:r>
+            <a:endParaRPr lang="en-US"/>
           </a:p>
           <a:p>
             <a:pPr lvl="2"/>
@@ -2113,6 +2024,7 @@
               <a:rPr lang="en-US"/>
               <a:t>Third level</a:t>
             </a:r>
+            <a:endParaRPr lang="en-US"/>
           </a:p>
           <a:p>
             <a:pPr lvl="3"/>
@@ -2120,6 +2032,7 @@
               <a:rPr lang="en-US"/>
               <a:t>Fourth level</a:t>
             </a:r>
+            <a:endParaRPr lang="en-US"/>
           </a:p>
           <a:p>
             <a:pPr lvl="4"/>
@@ -2127,6 +2040,7 @@
               <a:rPr lang="en-US"/>
               <a:t>Fifth level</a:t>
             </a:r>
+            <a:endParaRPr lang="en-US"/>
           </a:p>
         </p:txBody>
       </p:sp>
@@ -2147,8 +2061,6 @@
           <a:p>
             <a:fld id="{D98EC6FA-7C93-468E-A575-EDCD81EEFF70}" type="datetimeFigureOut">
               <a:rPr lang="en-US" smtClean="0"/>
-              <a:pPr/>
-              <a:t>5/30/2024</a:t>
             </a:fld>
             <a:endParaRPr lang="en-US"/>
           </a:p>
@@ -2190,8 +2102,6 @@
           <a:p>
             <a:fld id="{2B939A09-3475-4C1B-8F36-74BF0EBA845E}" type="slidenum">
               <a:rPr lang="en-US" smtClean="0"/>
-              <a:pPr/>
-              <a:t>‹#›</a:t>
             </a:fld>
             <a:endParaRPr lang="en-US"/>
           </a:p>
@@ -2246,6 +2156,7 @@
               <a:rPr lang="en-US"/>
               <a:t>Click to edit Master title style</a:t>
             </a:r>
+            <a:endParaRPr lang="en-US"/>
           </a:p>
         </p:txBody>
       </p:sp>
@@ -2274,6 +2185,7 @@
               <a:rPr lang="en-US"/>
               <a:t>Click to edit Master text styles</a:t>
             </a:r>
+            <a:endParaRPr lang="en-US"/>
           </a:p>
           <a:p>
             <a:pPr lvl="1"/>
@@ -2281,6 +2193,7 @@
               <a:rPr lang="en-US"/>
               <a:t>Second level</a:t>
             </a:r>
+            <a:endParaRPr lang="en-US"/>
           </a:p>
           <a:p>
             <a:pPr lvl="2"/>
@@ -2288,6 +2201,7 @@
               <a:rPr lang="en-US"/>
               <a:t>Third level</a:t>
             </a:r>
+            <a:endParaRPr lang="en-US"/>
           </a:p>
           <a:p>
             <a:pPr lvl="3"/>
@@ -2295,6 +2209,7 @@
               <a:rPr lang="en-US"/>
               <a:t>Fourth level</a:t>
             </a:r>
+            <a:endParaRPr lang="en-US"/>
           </a:p>
           <a:p>
             <a:pPr lvl="4"/>
@@ -2302,6 +2217,7 @@
               <a:rPr lang="en-US"/>
               <a:t>Fifth level</a:t>
             </a:r>
+            <a:endParaRPr lang="en-US"/>
           </a:p>
         </p:txBody>
       </p:sp>
@@ -2322,8 +2238,6 @@
           <a:p>
             <a:fld id="{D98EC6FA-7C93-468E-A575-EDCD81EEFF70}" type="datetimeFigureOut">
               <a:rPr lang="en-US" smtClean="0"/>
-              <a:pPr/>
-              <a:t>5/30/2024</a:t>
             </a:fld>
             <a:endParaRPr lang="en-US"/>
           </a:p>
@@ -2365,8 +2279,6 @@
           <a:p>
             <a:fld id="{2B939A09-3475-4C1B-8F36-74BF0EBA845E}" type="slidenum">
               <a:rPr lang="en-US" smtClean="0"/>
-              <a:pPr/>
-              <a:t>‹#›</a:t>
             </a:fld>
             <a:endParaRPr lang="en-US"/>
           </a:p>
@@ -2512,6 +2424,7 @@
               <a:rPr lang="en-US"/>
               <a:t>Click to edit Master subtitle style</a:t>
             </a:r>
+            <a:endParaRPr lang="en-US"/>
           </a:p>
         </p:txBody>
       </p:sp>
@@ -2534,6 +2447,7 @@
               <a:rPr lang="en-US"/>
               <a:t>Click to edit Master title style</a:t>
             </a:r>
+            <a:endParaRPr lang="en-US"/>
           </a:p>
         </p:txBody>
       </p:sp>
@@ -2605,6 +2519,7 @@
               <a:rPr lang="en-US"/>
               <a:t>Click to edit Master text styles</a:t>
             </a:r>
+            <a:endParaRPr lang="en-US"/>
           </a:p>
           <a:p>
             <a:pPr lvl="1"/>
@@ -2612,6 +2527,7 @@
               <a:rPr lang="en-US"/>
               <a:t>Second level</a:t>
             </a:r>
+            <a:endParaRPr lang="en-US"/>
           </a:p>
           <a:p>
             <a:pPr lvl="2"/>
@@ -2619,6 +2535,7 @@
               <a:rPr lang="en-US"/>
               <a:t>Third level</a:t>
             </a:r>
+            <a:endParaRPr lang="en-US"/>
           </a:p>
           <a:p>
             <a:pPr lvl="3"/>
@@ -2626,6 +2543,7 @@
               <a:rPr lang="en-US"/>
               <a:t>Fourth level</a:t>
             </a:r>
+            <a:endParaRPr lang="en-US"/>
           </a:p>
           <a:p>
             <a:pPr lvl="4"/>
@@ -2690,6 +2608,7 @@
               <a:rPr lang="en-US"/>
               <a:t>Click to edit Master title style</a:t>
             </a:r>
+            <a:endParaRPr lang="en-US"/>
           </a:p>
         </p:txBody>
       </p:sp>
@@ -2809,6 +2728,7 @@
               <a:rPr lang="en-US"/>
               <a:t>Click to edit Master text styles</a:t>
             </a:r>
+            <a:endParaRPr lang="en-US"/>
           </a:p>
         </p:txBody>
       </p:sp>
@@ -2887,6 +2807,7 @@
               <a:rPr lang="en-US"/>
               <a:t>Click to edit Master title style</a:t>
             </a:r>
+            <a:endParaRPr lang="en-US"/>
           </a:p>
         </p:txBody>
       </p:sp>
@@ -2943,6 +2864,7 @@
               <a:rPr lang="en-US"/>
               <a:t>Click to edit Master text styles</a:t>
             </a:r>
+            <a:endParaRPr lang="en-US"/>
           </a:p>
           <a:p>
             <a:pPr lvl="1"/>
@@ -2950,6 +2872,7 @@
               <a:rPr lang="en-US"/>
               <a:t>Second level</a:t>
             </a:r>
+            <a:endParaRPr lang="en-US"/>
           </a:p>
           <a:p>
             <a:pPr lvl="2"/>
@@ -2957,6 +2880,7 @@
               <a:rPr lang="en-US"/>
               <a:t>Third level</a:t>
             </a:r>
+            <a:endParaRPr lang="en-US"/>
           </a:p>
           <a:p>
             <a:pPr lvl="3"/>
@@ -2964,6 +2888,7 @@
               <a:rPr lang="en-US"/>
               <a:t>Fourth level</a:t>
             </a:r>
+            <a:endParaRPr lang="en-US"/>
           </a:p>
           <a:p>
             <a:pPr lvl="4"/>
@@ -2971,6 +2896,7 @@
               <a:rPr lang="en-US"/>
               <a:t>Fifth level</a:t>
             </a:r>
+            <a:endParaRPr lang="en-US"/>
           </a:p>
         </p:txBody>
       </p:sp>
@@ -3027,6 +2953,7 @@
               <a:rPr lang="en-US"/>
               <a:t>Click to edit Master text styles</a:t>
             </a:r>
+            <a:endParaRPr lang="en-US"/>
           </a:p>
           <a:p>
             <a:pPr lvl="1"/>
@@ -3034,6 +2961,7 @@
               <a:rPr lang="en-US"/>
               <a:t>Second level</a:t>
             </a:r>
+            <a:endParaRPr lang="en-US"/>
           </a:p>
           <a:p>
             <a:pPr lvl="2"/>
@@ -3041,6 +2969,7 @@
               <a:rPr lang="en-US"/>
               <a:t>Third level</a:t>
             </a:r>
+            <a:endParaRPr lang="en-US"/>
           </a:p>
           <a:p>
             <a:pPr lvl="3"/>
@@ -3048,6 +2977,7 @@
               <a:rPr lang="en-US"/>
               <a:t>Fourth level</a:t>
             </a:r>
+            <a:endParaRPr lang="en-US"/>
           </a:p>
           <a:p>
             <a:pPr lvl="4"/>
@@ -3055,6 +2985,7 @@
               <a:rPr lang="en-US"/>
               <a:t>Fifth level</a:t>
             </a:r>
+            <a:endParaRPr lang="en-US"/>
           </a:p>
         </p:txBody>
       </p:sp>
@@ -3106,6 +3037,7 @@
               <a:rPr lang="en-US"/>
               <a:t>Click to edit Master title style</a:t>
             </a:r>
+            <a:endParaRPr lang="en-US"/>
           </a:p>
         </p:txBody>
       </p:sp>
@@ -3171,6 +3103,7 @@
               <a:rPr lang="en-US"/>
               <a:t>Click to edit Master text styles</a:t>
             </a:r>
+            <a:endParaRPr lang="en-US"/>
           </a:p>
         </p:txBody>
       </p:sp>
@@ -3227,6 +3160,7 @@
               <a:rPr lang="en-US"/>
               <a:t>Click to edit Master text styles</a:t>
             </a:r>
+            <a:endParaRPr lang="en-US"/>
           </a:p>
           <a:p>
             <a:pPr lvl="1"/>
@@ -3234,6 +3168,7 @@
               <a:rPr lang="en-US"/>
               <a:t>Second level</a:t>
             </a:r>
+            <a:endParaRPr lang="en-US"/>
           </a:p>
           <a:p>
             <a:pPr lvl="2"/>
@@ -3241,6 +3176,7 @@
               <a:rPr lang="en-US"/>
               <a:t>Third level</a:t>
             </a:r>
+            <a:endParaRPr lang="en-US"/>
           </a:p>
           <a:p>
             <a:pPr lvl="3"/>
@@ -3248,6 +3184,7 @@
               <a:rPr lang="en-US"/>
               <a:t>Fourth level</a:t>
             </a:r>
+            <a:endParaRPr lang="en-US"/>
           </a:p>
           <a:p>
             <a:pPr lvl="4"/>
@@ -3321,6 +3258,7 @@
               <a:rPr lang="en-US"/>
               <a:t>Click to edit Master text styles</a:t>
             </a:r>
+            <a:endParaRPr lang="en-US"/>
           </a:p>
         </p:txBody>
       </p:sp>
@@ -3377,6 +3315,7 @@
               <a:rPr lang="en-US"/>
               <a:t>Click to edit Master text styles</a:t>
             </a:r>
+            <a:endParaRPr lang="en-US"/>
           </a:p>
           <a:p>
             <a:pPr lvl="1"/>
@@ -3384,6 +3323,7 @@
               <a:rPr lang="en-US"/>
               <a:t>Second level</a:t>
             </a:r>
+            <a:endParaRPr lang="en-US"/>
           </a:p>
           <a:p>
             <a:pPr lvl="2"/>
@@ -3391,6 +3331,7 @@
               <a:rPr lang="en-US"/>
               <a:t>Third level</a:t>
             </a:r>
+            <a:endParaRPr lang="en-US"/>
           </a:p>
           <a:p>
             <a:pPr lvl="3"/>
@@ -3398,6 +3339,7 @@
               <a:rPr lang="en-US"/>
               <a:t>Fourth level</a:t>
             </a:r>
+            <a:endParaRPr lang="en-US"/>
           </a:p>
           <a:p>
             <a:pPr lvl="4"/>
@@ -3405,6 +3347,7 @@
               <a:rPr lang="en-US"/>
               <a:t>Fifth level</a:t>
             </a:r>
+            <a:endParaRPr lang="en-US"/>
           </a:p>
         </p:txBody>
       </p:sp>
@@ -3483,6 +3426,7 @@
               <a:rPr lang="en-US"/>
               <a:t>Click to edit Master title style</a:t>
             </a:r>
+            <a:endParaRPr lang="en-US"/>
           </a:p>
         </p:txBody>
       </p:sp>
@@ -3652,6 +3596,7 @@
               <a:rPr lang="en-US"/>
               <a:t>Click to edit Master text styles</a:t>
             </a:r>
+            <a:endParaRPr lang="en-US"/>
           </a:p>
           <a:p>
             <a:pPr lvl="1"/>
@@ -3659,6 +3604,7 @@
               <a:rPr lang="en-US"/>
               <a:t>Second level</a:t>
             </a:r>
+            <a:endParaRPr lang="en-US"/>
           </a:p>
           <a:p>
             <a:pPr lvl="2"/>
@@ -3666,6 +3612,7 @@
               <a:rPr lang="en-US"/>
               <a:t>Third level</a:t>
             </a:r>
+            <a:endParaRPr lang="en-US"/>
           </a:p>
           <a:p>
             <a:pPr lvl="3"/>
@@ -3673,6 +3620,7 @@
               <a:rPr lang="en-US"/>
               <a:t>Fourth level</a:t>
             </a:r>
+            <a:endParaRPr lang="en-US"/>
           </a:p>
           <a:p>
             <a:pPr lvl="4"/>
@@ -3746,6 +3694,7 @@
               <a:rPr lang="en-US"/>
               <a:t>Click to edit Master text styles</a:t>
             </a:r>
+            <a:endParaRPr lang="en-US"/>
           </a:p>
         </p:txBody>
       </p:sp>
@@ -3793,6 +3742,7 @@
               <a:rPr lang="en-US"/>
               <a:t>Click to edit Master title style</a:t>
             </a:r>
+            <a:endParaRPr lang="en-US"/>
           </a:p>
         </p:txBody>
       </p:sp>
@@ -3816,6 +3766,7 @@
               <a:rPr lang="en-US"/>
               <a:t>Click to edit Master text styles</a:t>
             </a:r>
+            <a:endParaRPr lang="en-US"/>
           </a:p>
           <a:p>
             <a:pPr lvl="1"/>
@@ -3823,6 +3774,7 @@
               <a:rPr lang="en-US"/>
               <a:t>Second level</a:t>
             </a:r>
+            <a:endParaRPr lang="en-US"/>
           </a:p>
           <a:p>
             <a:pPr lvl="2"/>
@@ -3830,6 +3782,7 @@
               <a:rPr lang="en-US"/>
               <a:t>Third level</a:t>
             </a:r>
+            <a:endParaRPr lang="en-US"/>
           </a:p>
           <a:p>
             <a:pPr lvl="3"/>
@@ -3837,6 +3790,7 @@
               <a:rPr lang="en-US"/>
               <a:t>Fourth level</a:t>
             </a:r>
+            <a:endParaRPr lang="en-US"/>
           </a:p>
           <a:p>
             <a:pPr lvl="4"/>
@@ -3844,6 +3798,7 @@
               <a:rPr lang="en-US"/>
               <a:t>Fifth level</a:t>
             </a:r>
+            <a:endParaRPr lang="en-US"/>
           </a:p>
         </p:txBody>
       </p:sp>
@@ -3864,8 +3819,6 @@
           <a:p>
             <a:fld id="{D98EC6FA-7C93-468E-A575-EDCD81EEFF70}" type="datetimeFigureOut">
               <a:rPr lang="en-US" smtClean="0"/>
-              <a:pPr/>
-              <a:t>5/30/2024</a:t>
             </a:fld>
             <a:endParaRPr lang="en-US"/>
           </a:p>
@@ -3907,8 +3860,6 @@
           <a:p>
             <a:fld id="{2B939A09-3475-4C1B-8F36-74BF0EBA845E}" type="slidenum">
               <a:rPr lang="en-US" smtClean="0"/>
-              <a:pPr/>
-              <a:t>‹#›</a:t>
             </a:fld>
             <a:endParaRPr lang="en-US"/>
           </a:p>
@@ -3967,6 +3918,7 @@
               <a:rPr lang="en-US"/>
               <a:t>Click to edit Master title style</a:t>
             </a:r>
+            <a:endParaRPr lang="en-US"/>
           </a:p>
         </p:txBody>
       </p:sp>
@@ -4034,6 +3986,7 @@
               <a:rPr lang="en-US" noProof="0"/>
               <a:t>Click icon to add picture</a:t>
             </a:r>
+            <a:endParaRPr lang="en-US" noProof="0"/>
           </a:p>
         </p:txBody>
       </p:sp>
@@ -4099,6 +4052,7 @@
               <a:rPr lang="en-US"/>
               <a:t>Click to edit Master text styles</a:t>
             </a:r>
+            <a:endParaRPr lang="en-US"/>
           </a:p>
         </p:txBody>
       </p:sp>
@@ -4146,6 +4100,7 @@
               <a:rPr lang="en-US"/>
               <a:t>Click to edit Master title style</a:t>
             </a:r>
+            <a:endParaRPr lang="en-US"/>
           </a:p>
         </p:txBody>
       </p:sp>
@@ -4169,6 +4124,7 @@
               <a:rPr lang="en-US"/>
               <a:t>Click to edit Master text styles</a:t>
             </a:r>
+            <a:endParaRPr lang="en-US"/>
           </a:p>
           <a:p>
             <a:pPr lvl="1"/>
@@ -4176,6 +4132,7 @@
               <a:rPr lang="en-US"/>
               <a:t>Second level</a:t>
             </a:r>
+            <a:endParaRPr lang="en-US"/>
           </a:p>
           <a:p>
             <a:pPr lvl="2"/>
@@ -4183,6 +4140,7 @@
               <a:rPr lang="en-US"/>
               <a:t>Third level</a:t>
             </a:r>
+            <a:endParaRPr lang="en-US"/>
           </a:p>
           <a:p>
             <a:pPr lvl="3"/>
@@ -4190,6 +4148,7 @@
               <a:rPr lang="en-US"/>
               <a:t>Fourth level</a:t>
             </a:r>
+            <a:endParaRPr lang="en-US"/>
           </a:p>
           <a:p>
             <a:pPr lvl="4"/>
@@ -4197,6 +4156,7 @@
               <a:rPr lang="en-US"/>
               <a:t>Fifth level</a:t>
             </a:r>
+            <a:endParaRPr lang="en-US"/>
           </a:p>
         </p:txBody>
       </p:sp>
@@ -4278,6 +4238,7 @@
               <a:rPr lang="en-US"/>
               <a:t>Click to edit Master text styles</a:t>
             </a:r>
+            <a:endParaRPr lang="en-US"/>
           </a:p>
           <a:p>
             <a:pPr lvl="1"/>
@@ -4285,6 +4246,7 @@
               <a:rPr lang="en-US"/>
               <a:t>Second level</a:t>
             </a:r>
+            <a:endParaRPr lang="en-US"/>
           </a:p>
           <a:p>
             <a:pPr lvl="2"/>
@@ -4292,6 +4254,7 @@
               <a:rPr lang="en-US"/>
               <a:t>Third level</a:t>
             </a:r>
+            <a:endParaRPr lang="en-US"/>
           </a:p>
           <a:p>
             <a:pPr lvl="3"/>
@@ -4299,6 +4262,7 @@
               <a:rPr lang="en-US"/>
               <a:t>Fourth level</a:t>
             </a:r>
+            <a:endParaRPr lang="en-US"/>
           </a:p>
           <a:p>
             <a:pPr lvl="4"/>
@@ -4450,6 +4414,7 @@
               <a:rPr lang="en-US"/>
               <a:t>Click to edit Master subtitle style</a:t>
             </a:r>
+            <a:endParaRPr lang="en-US"/>
           </a:p>
         </p:txBody>
       </p:sp>
@@ -4517,8 +4482,6 @@
           <a:p>
             <a:fld id="{CD91002D-DF87-4FB9-865C-A76CFCC7B82D}" type="slidenum">
               <a:rPr lang="en-US"/>
-              <a:pPr/>
-              <a:t>‹#›</a:t>
             </a:fld>
             <a:endParaRPr lang="en-US"/>
           </a:p>
@@ -4543,6 +4506,7 @@
               <a:rPr lang="en-US"/>
               <a:t>Click to edit Master title style</a:t>
             </a:r>
+            <a:endParaRPr lang="en-US"/>
           </a:p>
         </p:txBody>
       </p:sp>
@@ -4599,6 +4563,7 @@
               <a:rPr lang="en-US"/>
               <a:t>Click to edit Master title style</a:t>
             </a:r>
+            <a:endParaRPr lang="en-US"/>
           </a:p>
         </p:txBody>
       </p:sp>
@@ -4718,6 +4683,7 @@
               <a:rPr lang="en-US"/>
               <a:t>Click to edit Master text styles</a:t>
             </a:r>
+            <a:endParaRPr lang="en-US"/>
           </a:p>
         </p:txBody>
       </p:sp>
@@ -4738,8 +4704,6 @@
           <a:p>
             <a:fld id="{D98EC6FA-7C93-468E-A575-EDCD81EEFF70}" type="datetimeFigureOut">
               <a:rPr lang="en-US" smtClean="0"/>
-              <a:pPr/>
-              <a:t>5/30/2024</a:t>
             </a:fld>
             <a:endParaRPr lang="en-US"/>
           </a:p>
@@ -4781,8 +4745,6 @@
           <a:p>
             <a:fld id="{2B939A09-3475-4C1B-8F36-74BF0EBA845E}" type="slidenum">
               <a:rPr lang="en-US" smtClean="0"/>
-              <a:pPr/>
-              <a:t>‹#›</a:t>
             </a:fld>
             <a:endParaRPr lang="en-US"/>
           </a:p>
@@ -4832,6 +4794,7 @@
               <a:rPr lang="en-US"/>
               <a:t>Click to edit Master title style</a:t>
             </a:r>
+            <a:endParaRPr lang="en-US"/>
           </a:p>
         </p:txBody>
       </p:sp>
@@ -4888,6 +4851,7 @@
               <a:rPr lang="en-US"/>
               <a:t>Click to edit Master text styles</a:t>
             </a:r>
+            <a:endParaRPr lang="en-US"/>
           </a:p>
           <a:p>
             <a:pPr lvl="1"/>
@@ -4895,6 +4859,7 @@
               <a:rPr lang="en-US"/>
               <a:t>Second level</a:t>
             </a:r>
+            <a:endParaRPr lang="en-US"/>
           </a:p>
           <a:p>
             <a:pPr lvl="2"/>
@@ -4902,6 +4867,7 @@
               <a:rPr lang="en-US"/>
               <a:t>Third level</a:t>
             </a:r>
+            <a:endParaRPr lang="en-US"/>
           </a:p>
           <a:p>
             <a:pPr lvl="3"/>
@@ -4909,6 +4875,7 @@
               <a:rPr lang="en-US"/>
               <a:t>Fourth level</a:t>
             </a:r>
+            <a:endParaRPr lang="en-US"/>
           </a:p>
           <a:p>
             <a:pPr lvl="4"/>
@@ -4916,6 +4883,7 @@
               <a:rPr lang="en-US"/>
               <a:t>Fifth level</a:t>
             </a:r>
+            <a:endParaRPr lang="en-US"/>
           </a:p>
         </p:txBody>
       </p:sp>
@@ -4972,6 +4940,7 @@
               <a:rPr lang="en-US"/>
               <a:t>Click to edit Master text styles</a:t>
             </a:r>
+            <a:endParaRPr lang="en-US"/>
           </a:p>
           <a:p>
             <a:pPr lvl="1"/>
@@ -4979,6 +4948,7 @@
               <a:rPr lang="en-US"/>
               <a:t>Second level</a:t>
             </a:r>
+            <a:endParaRPr lang="en-US"/>
           </a:p>
           <a:p>
             <a:pPr lvl="2"/>
@@ -4986,6 +4956,7 @@
               <a:rPr lang="en-US"/>
               <a:t>Third level</a:t>
             </a:r>
+            <a:endParaRPr lang="en-US"/>
           </a:p>
           <a:p>
             <a:pPr lvl="3"/>
@@ -4993,6 +4964,7 @@
               <a:rPr lang="en-US"/>
               <a:t>Fourth level</a:t>
             </a:r>
+            <a:endParaRPr lang="en-US"/>
           </a:p>
           <a:p>
             <a:pPr lvl="4"/>
@@ -5000,6 +4972,7 @@
               <a:rPr lang="en-US"/>
               <a:t>Fifth level</a:t>
             </a:r>
+            <a:endParaRPr lang="en-US"/>
           </a:p>
         </p:txBody>
       </p:sp>
@@ -5020,8 +4993,6 @@
           <a:p>
             <a:fld id="{D98EC6FA-7C93-468E-A575-EDCD81EEFF70}" type="datetimeFigureOut">
               <a:rPr lang="en-US" smtClean="0"/>
-              <a:pPr/>
-              <a:t>5/30/2024</a:t>
             </a:fld>
             <a:endParaRPr lang="en-US"/>
           </a:p>
@@ -5063,8 +5034,6 @@
           <a:p>
             <a:fld id="{2B939A09-3475-4C1B-8F36-74BF0EBA845E}" type="slidenum">
               <a:rPr lang="en-US" smtClean="0"/>
-              <a:pPr/>
-              <a:t>‹#›</a:t>
             </a:fld>
             <a:endParaRPr lang="en-US"/>
           </a:p>
@@ -5118,6 +5087,7 @@
               <a:rPr lang="en-US"/>
               <a:t>Click to edit Master title style</a:t>
             </a:r>
+            <a:endParaRPr lang="en-US"/>
           </a:p>
         </p:txBody>
       </p:sp>
@@ -5183,6 +5153,7 @@
               <a:rPr lang="en-US"/>
               <a:t>Click to edit Master text styles</a:t>
             </a:r>
+            <a:endParaRPr lang="en-US"/>
           </a:p>
         </p:txBody>
       </p:sp>
@@ -5239,6 +5210,7 @@
               <a:rPr lang="en-US"/>
               <a:t>Click to edit Master text styles</a:t>
             </a:r>
+            <a:endParaRPr lang="en-US"/>
           </a:p>
           <a:p>
             <a:pPr lvl="1"/>
@@ -5246,6 +5218,7 @@
               <a:rPr lang="en-US"/>
               <a:t>Second level</a:t>
             </a:r>
+            <a:endParaRPr lang="en-US"/>
           </a:p>
           <a:p>
             <a:pPr lvl="2"/>
@@ -5253,6 +5226,7 @@
               <a:rPr lang="en-US"/>
               <a:t>Third level</a:t>
             </a:r>
+            <a:endParaRPr lang="en-US"/>
           </a:p>
           <a:p>
             <a:pPr lvl="3"/>
@@ -5260,6 +5234,7 @@
               <a:rPr lang="en-US"/>
               <a:t>Fourth level</a:t>
             </a:r>
+            <a:endParaRPr lang="en-US"/>
           </a:p>
           <a:p>
             <a:pPr lvl="4"/>
@@ -5267,6 +5242,7 @@
               <a:rPr lang="en-US"/>
               <a:t>Fifth level</a:t>
             </a:r>
+            <a:endParaRPr lang="en-US"/>
           </a:p>
         </p:txBody>
       </p:sp>
@@ -5332,6 +5308,7 @@
               <a:rPr lang="en-US"/>
               <a:t>Click to edit Master text styles</a:t>
             </a:r>
+            <a:endParaRPr lang="en-US"/>
           </a:p>
         </p:txBody>
       </p:sp>
@@ -5388,6 +5365,7 @@
               <a:rPr lang="en-US"/>
               <a:t>Click to edit Master text styles</a:t>
             </a:r>
+            <a:endParaRPr lang="en-US"/>
           </a:p>
           <a:p>
             <a:pPr lvl="1"/>
@@ -5395,6 +5373,7 @@
               <a:rPr lang="en-US"/>
               <a:t>Second level</a:t>
             </a:r>
+            <a:endParaRPr lang="en-US"/>
           </a:p>
           <a:p>
             <a:pPr lvl="2"/>
@@ -5402,6 +5381,7 @@
               <a:rPr lang="en-US"/>
               <a:t>Third level</a:t>
             </a:r>
+            <a:endParaRPr lang="en-US"/>
           </a:p>
           <a:p>
             <a:pPr lvl="3"/>
@@ -5409,6 +5389,7 @@
               <a:rPr lang="en-US"/>
               <a:t>Fourth level</a:t>
             </a:r>
+            <a:endParaRPr lang="en-US"/>
           </a:p>
           <a:p>
             <a:pPr lvl="4"/>
@@ -5416,6 +5397,7 @@
               <a:rPr lang="en-US"/>
               <a:t>Fifth level</a:t>
             </a:r>
+            <a:endParaRPr lang="en-US"/>
           </a:p>
         </p:txBody>
       </p:sp>
@@ -5436,8 +5418,6 @@
           <a:p>
             <a:fld id="{D98EC6FA-7C93-468E-A575-EDCD81EEFF70}" type="datetimeFigureOut">
               <a:rPr lang="en-US" smtClean="0"/>
-              <a:pPr/>
-              <a:t>5/30/2024</a:t>
             </a:fld>
             <a:endParaRPr lang="en-US"/>
           </a:p>
@@ -5479,8 +5459,6 @@
           <a:p>
             <a:fld id="{2B939A09-3475-4C1B-8F36-74BF0EBA845E}" type="slidenum">
               <a:rPr lang="en-US" smtClean="0"/>
-              <a:pPr/>
-              <a:t>‹#›</a:t>
             </a:fld>
             <a:endParaRPr lang="en-US"/>
           </a:p>
@@ -5530,6 +5508,7 @@
               <a:rPr lang="en-US"/>
               <a:t>Click to edit Master title style</a:t>
             </a:r>
+            <a:endParaRPr lang="en-US"/>
           </a:p>
         </p:txBody>
       </p:sp>
@@ -5550,8 +5529,6 @@
           <a:p>
             <a:fld id="{D98EC6FA-7C93-468E-A575-EDCD81EEFF70}" type="datetimeFigureOut">
               <a:rPr lang="en-US" smtClean="0"/>
-              <a:pPr/>
-              <a:t>5/30/2024</a:t>
             </a:fld>
             <a:endParaRPr lang="en-US"/>
           </a:p>
@@ -5593,8 +5570,6 @@
           <a:p>
             <a:fld id="{2B939A09-3475-4C1B-8F36-74BF0EBA845E}" type="slidenum">
               <a:rPr lang="en-US" smtClean="0"/>
-              <a:pPr/>
-              <a:t>‹#›</a:t>
             </a:fld>
             <a:endParaRPr lang="en-US"/>
           </a:p>
@@ -5642,8 +5617,6 @@
           <a:p>
             <a:fld id="{D98EC6FA-7C93-468E-A575-EDCD81EEFF70}" type="datetimeFigureOut">
               <a:rPr lang="en-US" smtClean="0"/>
-              <a:pPr/>
-              <a:t>5/30/2024</a:t>
             </a:fld>
             <a:endParaRPr lang="en-US"/>
           </a:p>
@@ -5685,8 +5658,6 @@
           <a:p>
             <a:fld id="{2B939A09-3475-4C1B-8F36-74BF0EBA845E}" type="slidenum">
               <a:rPr lang="en-US" smtClean="0"/>
-              <a:pPr/>
-              <a:t>‹#›</a:t>
             </a:fld>
             <a:endParaRPr lang="en-US"/>
           </a:p>
@@ -5745,6 +5716,7 @@
               <a:rPr lang="en-US"/>
               <a:t>Click to edit Master title style</a:t>
             </a:r>
+            <a:endParaRPr lang="en-US"/>
           </a:p>
         </p:txBody>
       </p:sp>
@@ -5801,6 +5773,7 @@
               <a:rPr lang="en-US"/>
               <a:t>Click to edit Master text styles</a:t>
             </a:r>
+            <a:endParaRPr lang="en-US"/>
           </a:p>
           <a:p>
             <a:pPr lvl="1"/>
@@ -5808,6 +5781,7 @@
               <a:rPr lang="en-US"/>
               <a:t>Second level</a:t>
             </a:r>
+            <a:endParaRPr lang="en-US"/>
           </a:p>
           <a:p>
             <a:pPr lvl="2"/>
@@ -5815,6 +5789,7 @@
               <a:rPr lang="en-US"/>
               <a:t>Third level</a:t>
             </a:r>
+            <a:endParaRPr lang="en-US"/>
           </a:p>
           <a:p>
             <a:pPr lvl="3"/>
@@ -5822,6 +5797,7 @@
               <a:rPr lang="en-US"/>
               <a:t>Fourth level</a:t>
             </a:r>
+            <a:endParaRPr lang="en-US"/>
           </a:p>
           <a:p>
             <a:pPr lvl="4"/>
@@ -5829,6 +5805,7 @@
               <a:rPr lang="en-US"/>
               <a:t>Fifth level</a:t>
             </a:r>
+            <a:endParaRPr lang="en-US"/>
           </a:p>
         </p:txBody>
       </p:sp>
@@ -5894,6 +5871,7 @@
               <a:rPr lang="en-US"/>
               <a:t>Click to edit Master text styles</a:t>
             </a:r>
+            <a:endParaRPr lang="en-US"/>
           </a:p>
         </p:txBody>
       </p:sp>
@@ -5914,8 +5892,6 @@
           <a:p>
             <a:fld id="{D98EC6FA-7C93-468E-A575-EDCD81EEFF70}" type="datetimeFigureOut">
               <a:rPr lang="en-US" smtClean="0"/>
-              <a:pPr/>
-              <a:t>5/30/2024</a:t>
             </a:fld>
             <a:endParaRPr lang="en-US"/>
           </a:p>
@@ -5957,8 +5933,6 @@
           <a:p>
             <a:fld id="{2B939A09-3475-4C1B-8F36-74BF0EBA845E}" type="slidenum">
               <a:rPr lang="en-US" smtClean="0"/>
-              <a:pPr/>
-              <a:t>‹#›</a:t>
             </a:fld>
             <a:endParaRPr lang="en-US"/>
           </a:p>
@@ -6017,6 +5991,7 @@
               <a:rPr lang="en-US"/>
               <a:t>Click to edit Master title style</a:t>
             </a:r>
+            <a:endParaRPr lang="en-US"/>
           </a:p>
         </p:txBody>
       </p:sp>
@@ -6143,6 +6118,7 @@
               <a:rPr lang="en-US"/>
               <a:t>Click to edit Master text styles</a:t>
             </a:r>
+            <a:endParaRPr lang="en-US"/>
           </a:p>
         </p:txBody>
       </p:sp>
@@ -6163,8 +6139,6 @@
           <a:p>
             <a:fld id="{D98EC6FA-7C93-468E-A575-EDCD81EEFF70}" type="datetimeFigureOut">
               <a:rPr lang="en-US" smtClean="0"/>
-              <a:pPr/>
-              <a:t>5/30/2024</a:t>
             </a:fld>
             <a:endParaRPr lang="en-US"/>
           </a:p>
@@ -6206,8 +6180,6 @@
           <a:p>
             <a:fld id="{2B939A09-3475-4C1B-8F36-74BF0EBA845E}" type="slidenum">
               <a:rPr lang="en-US" smtClean="0"/>
-              <a:pPr/>
-              <a:t>‹#›</a:t>
             </a:fld>
             <a:endParaRPr lang="en-US"/>
           </a:p>
@@ -6272,6 +6244,7 @@
               <a:rPr lang="en-US"/>
               <a:t>Click to edit Master title style</a:t>
             </a:r>
+            <a:endParaRPr lang="en-US"/>
           </a:p>
         </p:txBody>
       </p:sp>
@@ -6305,6 +6278,7 @@
               <a:rPr lang="en-US"/>
               <a:t>Click to edit Master text styles</a:t>
             </a:r>
+            <a:endParaRPr lang="en-US"/>
           </a:p>
           <a:p>
             <a:pPr lvl="1"/>
@@ -6312,6 +6286,7 @@
               <a:rPr lang="en-US"/>
               <a:t>Second level</a:t>
             </a:r>
+            <a:endParaRPr lang="en-US"/>
           </a:p>
           <a:p>
             <a:pPr lvl="2"/>
@@ -6319,6 +6294,7 @@
               <a:rPr lang="en-US"/>
               <a:t>Third level</a:t>
             </a:r>
+            <a:endParaRPr lang="en-US"/>
           </a:p>
           <a:p>
             <a:pPr lvl="3"/>
@@ -6326,6 +6302,7 @@
               <a:rPr lang="en-US"/>
               <a:t>Fourth level</a:t>
             </a:r>
+            <a:endParaRPr lang="en-US"/>
           </a:p>
           <a:p>
             <a:pPr lvl="4"/>
@@ -6333,6 +6310,7 @@
               <a:rPr lang="en-US"/>
               <a:t>Fifth level</a:t>
             </a:r>
+            <a:endParaRPr lang="en-US"/>
           </a:p>
         </p:txBody>
       </p:sp>
@@ -6371,8 +6349,6 @@
           <a:p>
             <a:fld id="{D98EC6FA-7C93-468E-A575-EDCD81EEFF70}" type="datetimeFigureOut">
               <a:rPr lang="en-US" smtClean="0"/>
-              <a:pPr/>
-              <a:t>5/30/2024</a:t>
             </a:fld>
             <a:endParaRPr lang="en-US"/>
           </a:p>
@@ -6450,8 +6426,6 @@
           <a:p>
             <a:fld id="{2B939A09-3475-4C1B-8F36-74BF0EBA845E}" type="slidenum">
               <a:rPr lang="en-US" smtClean="0"/>
-              <a:pPr/>
-              <a:t>‹#›</a:t>
             </a:fld>
             <a:endParaRPr lang="en-US"/>
           </a:p>
@@ -6461,17 +6435,17 @@
   </p:cSld>
   <p:clrMap bg1="lt1" tx1="dk1" bg2="lt2" tx2="dk2" accent1="accent1" accent2="accent2" accent3="accent3" accent4="accent4" accent5="accent5" accent6="accent6" hlink="hlink" folHlink="folHlink"/>
   <p:sldLayoutIdLst>
-    <p:sldLayoutId id="2147483661" r:id="rId1"/>
-    <p:sldLayoutId id="2147483662" r:id="rId2"/>
-    <p:sldLayoutId id="2147483663" r:id="rId3"/>
-    <p:sldLayoutId id="2147483664" r:id="rId4"/>
-    <p:sldLayoutId id="2147483665" r:id="rId5"/>
-    <p:sldLayoutId id="2147483666" r:id="rId6"/>
-    <p:sldLayoutId id="2147483667" r:id="rId7"/>
-    <p:sldLayoutId id="2147483668" r:id="rId8"/>
-    <p:sldLayoutId id="2147483669" r:id="rId9"/>
-    <p:sldLayoutId id="2147483670" r:id="rId10"/>
-    <p:sldLayoutId id="2147483671" r:id="rId11"/>
+    <p:sldLayoutId id="2147483649" r:id="rId1"/>
+    <p:sldLayoutId id="2147483650" r:id="rId2"/>
+    <p:sldLayoutId id="2147483651" r:id="rId3"/>
+    <p:sldLayoutId id="2147483652" r:id="rId4"/>
+    <p:sldLayoutId id="2147483653" r:id="rId5"/>
+    <p:sldLayoutId id="2147483654" r:id="rId6"/>
+    <p:sldLayoutId id="2147483655" r:id="rId7"/>
+    <p:sldLayoutId id="2147483656" r:id="rId8"/>
+    <p:sldLayoutId id="2147483657" r:id="rId9"/>
+    <p:sldLayoutId id="2147483658" r:id="rId10"/>
+    <p:sldLayoutId id="2147483659" r:id="rId11"/>
   </p:sldLayoutIdLst>
   <p:txStyles>
     <p:titleStyle>
@@ -6495,7 +6469,7 @@
         <a:spcBef>
           <a:spcPct val="20000"/>
         </a:spcBef>
-        <a:buFont typeface="Arial" pitchFamily="34" charset="0"/>
+        <a:buFont typeface="Arial" panose="020B0604020202020204" pitchFamily="34" charset="0"/>
         <a:buChar char="•"/>
         <a:defRPr sz="3200" kern="1200">
           <a:solidFill>
@@ -6510,7 +6484,7 @@
         <a:spcBef>
           <a:spcPct val="20000"/>
         </a:spcBef>
-        <a:buFont typeface="Arial" pitchFamily="34" charset="0"/>
+        <a:buFont typeface="Arial" panose="020B0604020202020204" pitchFamily="34" charset="0"/>
         <a:buChar char="–"/>
         <a:defRPr sz="2800" kern="1200">
           <a:solidFill>
@@ -6525,7 +6499,7 @@
         <a:spcBef>
           <a:spcPct val="20000"/>
         </a:spcBef>
-        <a:buFont typeface="Arial" pitchFamily="34" charset="0"/>
+        <a:buFont typeface="Arial" panose="020B0604020202020204" pitchFamily="34" charset="0"/>
         <a:buChar char="•"/>
         <a:defRPr sz="2400" kern="1200">
           <a:solidFill>
@@ -6540,7 +6514,7 @@
         <a:spcBef>
           <a:spcPct val="20000"/>
         </a:spcBef>
-        <a:buFont typeface="Arial" pitchFamily="34" charset="0"/>
+        <a:buFont typeface="Arial" panose="020B0604020202020204" pitchFamily="34" charset="0"/>
         <a:buChar char="–"/>
         <a:defRPr sz="2000" kern="1200">
           <a:solidFill>
@@ -6555,7 +6529,7 @@
         <a:spcBef>
           <a:spcPct val="20000"/>
         </a:spcBef>
-        <a:buFont typeface="Arial" pitchFamily="34" charset="0"/>
+        <a:buFont typeface="Arial" panose="020B0604020202020204" pitchFamily="34" charset="0"/>
         <a:buChar char="»"/>
         <a:defRPr sz="2000" kern="1200">
           <a:solidFill>
@@ -6570,7 +6544,7 @@
         <a:spcBef>
           <a:spcPct val="20000"/>
         </a:spcBef>
-        <a:buFont typeface="Arial" pitchFamily="34" charset="0"/>
+        <a:buFont typeface="Arial" panose="020B0604020202020204" pitchFamily="34" charset="0"/>
         <a:buChar char="•"/>
         <a:defRPr sz="2000" kern="1200">
           <a:solidFill>
@@ -6585,7 +6559,7 @@
         <a:spcBef>
           <a:spcPct val="20000"/>
         </a:spcBef>
-        <a:buFont typeface="Arial" pitchFamily="34" charset="0"/>
+        <a:buFont typeface="Arial" panose="020B0604020202020204" pitchFamily="34" charset="0"/>
         <a:buChar char="•"/>
         <a:defRPr sz="2000" kern="1200">
           <a:solidFill>
@@ -6600,7 +6574,7 @@
         <a:spcBef>
           <a:spcPct val="20000"/>
         </a:spcBef>
-        <a:buFont typeface="Arial" pitchFamily="34" charset="0"/>
+        <a:buFont typeface="Arial" panose="020B0604020202020204" pitchFamily="34" charset="0"/>
         <a:buChar char="•"/>
         <a:defRPr sz="2000" kern="1200">
           <a:solidFill>
@@ -6615,7 +6589,7 @@
         <a:spcBef>
           <a:spcPct val="20000"/>
         </a:spcBef>
-        <a:buFont typeface="Arial" pitchFamily="34" charset="0"/>
+        <a:buFont typeface="Arial" panose="020B0604020202020204" pitchFamily="34" charset="0"/>
         <a:buChar char="•"/>
         <a:defRPr sz="2000" kern="1200">
           <a:solidFill>
@@ -6757,13 +6731,7 @@
           <p:nvPr/>
         </p:nvPicPr>
         <p:blipFill>
-          <a:blip r:embed="rId14" cstate="screen">
-            <a:extLst>
-              <a:ext uri="{28A0092B-C50C-407E-A947-70E740481C1C}">
-                <a14:useLocalDpi xmlns:a14="http://schemas.microsoft.com/office/drawing/2010/main"/>
-              </a:ext>
-            </a:extLst>
-          </a:blip>
+          <a:blip r:embed="rId13" cstate="screen"/>
           <a:srcRect/>
           <a:stretch>
             <a:fillRect/>
@@ -6795,13 +6763,7 @@
           <p:nvPr/>
         </p:nvPicPr>
         <p:blipFill>
-          <a:blip r:embed="rId15" cstate="screen">
-            <a:extLst>
-              <a:ext uri="{28A0092B-C50C-407E-A947-70E740481C1C}">
-                <a14:useLocalDpi xmlns:a14="http://schemas.microsoft.com/office/drawing/2010/main"/>
-              </a:ext>
-            </a:extLst>
-          </a:blip>
+          <a:blip r:embed="rId14" cstate="screen"/>
           <a:stretch>
             <a:fillRect/>
           </a:stretch>
@@ -6838,16 +6800,10 @@
           <a:ln w="9525">
             <a:noFill/>
             <a:miter lim="800000"/>
-            <a:headEnd/>
-            <a:tailEnd/>
           </a:ln>
         </p:spPr>
         <p:txBody>
-          <a:bodyPr vert="horz" wrap="square" lIns="91440" tIns="45720" rIns="91440" bIns="45720" numCol="1" anchor="t" anchorCtr="0" compatLnSpc="1">
-            <a:prstTxWarp prst="textNoShape">
-              <a:avLst/>
-            </a:prstTxWarp>
-          </a:bodyPr>
+          <a:bodyPr vert="horz" wrap="square" lIns="91440" tIns="45720" rIns="91440" bIns="45720" numCol="1" anchor="t" anchorCtr="0" compatLnSpc="1"/>
           <a:lstStyle/>
           <a:p>
             <a:pPr lvl="0"/>
@@ -6881,16 +6837,10 @@
           <a:ln w="9525">
             <a:noFill/>
             <a:miter lim="800000"/>
-            <a:headEnd/>
-            <a:tailEnd/>
           </a:ln>
         </p:spPr>
         <p:txBody>
-          <a:bodyPr vert="horz" wrap="square" lIns="91440" tIns="45720" rIns="91440" bIns="45720" numCol="1" anchor="t" anchorCtr="0" compatLnSpc="1">
-            <a:prstTxWarp prst="textNoShape">
-              <a:avLst/>
-            </a:prstTxWarp>
-          </a:bodyPr>
+          <a:bodyPr vert="horz" wrap="square" lIns="91440" tIns="45720" rIns="91440" bIns="45720" numCol="1" anchor="t" anchorCtr="0" compatLnSpc="1"/>
           <a:lstStyle/>
           <a:p>
             <a:pPr lvl="0"/>
@@ -6898,6 +6848,7 @@
               <a:rPr lang="en-US"/>
               <a:t>Click to edit Master text styles</a:t>
             </a:r>
+            <a:endParaRPr lang="en-US"/>
           </a:p>
           <a:p>
             <a:pPr lvl="1"/>
@@ -6905,6 +6856,7 @@
               <a:rPr lang="en-US"/>
               <a:t>Second level</a:t>
             </a:r>
+            <a:endParaRPr lang="en-US"/>
           </a:p>
           <a:p>
             <a:pPr lvl="2"/>
@@ -6912,6 +6864,7 @@
               <a:rPr lang="en-US"/>
               <a:t>Third level</a:t>
             </a:r>
+            <a:endParaRPr lang="en-US"/>
           </a:p>
           <a:p>
             <a:pPr lvl="3"/>
@@ -6919,6 +6872,7 @@
               <a:rPr lang="en-US"/>
               <a:t>Fourth level</a:t>
             </a:r>
+            <a:endParaRPr lang="en-US"/>
           </a:p>
           <a:p>
             <a:pPr lvl="4"/>
@@ -6933,9 +6887,7 @@
       <p:sp>
         <p:nvSpPr>
           <p:cNvPr id="6" name="Footer Placeholder 4"/>
-          <p:cNvSpPr txBox="1">
-            <a:spLocks/>
-          </p:cNvSpPr>
+          <p:cNvSpPr txBox="1"/>
           <p:nvPr/>
         </p:nvSpPr>
         <p:spPr>
@@ -6948,19 +6900,15 @@
           </a:prstGeom>
         </p:spPr>
         <p:txBody>
-          <a:bodyPr vert="horz" wrap="square" lIns="91440" tIns="45720" rIns="91440" bIns="45720" numCol="1" anchor="ctr" anchorCtr="0" compatLnSpc="1">
-            <a:prstTxWarp prst="textNoShape">
-              <a:avLst/>
-            </a:prstTxWarp>
-          </a:bodyPr>
+          <a:bodyPr vert="horz" wrap="square" lIns="91440" tIns="45720" rIns="91440" bIns="45720" numCol="1" anchor="ctr" anchorCtr="0" compatLnSpc="1"/>
           <a:lstStyle>
             <a:lvl1pPr algn="r">
               <a:defRPr sz="1000">
                 <a:solidFill>
                   <a:schemeClr val="bg1"/>
                 </a:solidFill>
-                <a:latin typeface="Arial" pitchFamily="34" charset="0"/>
-                <a:cs typeface="Arial" pitchFamily="34" charset="0"/>
+                <a:latin typeface="Arial" panose="020B0604020202020204" pitchFamily="34" charset="0"/>
+                <a:cs typeface="Arial" panose="020B0604020202020204" pitchFamily="34" charset="0"/>
               </a:defRPr>
             </a:lvl1pPr>
           </a:lstStyle>
@@ -6979,7 +6927,6 @@
               <a:buSzTx/>
               <a:buFontTx/>
               <a:buNone/>
-              <a:tabLst/>
               <a:defRPr/>
             </a:pPr>
             <a:r>
@@ -6993,9 +6940,9 @@
                 <a:effectLst/>
                 <a:uLnTx/>
                 <a:uFillTx/>
-                <a:latin typeface="Arial" pitchFamily="34" charset="0"/>
+                <a:latin typeface="Arial" panose="020B0604020202020204" pitchFamily="34" charset="0"/>
                 <a:ea typeface="+mn-ea"/>
-                <a:cs typeface="Arial" pitchFamily="34" charset="0"/>
+                <a:cs typeface="Arial" panose="020B0604020202020204" pitchFamily="34" charset="0"/>
               </a:rPr>
               <a:t>© FPT University 2021</a:t>
             </a:r>
@@ -7009,9 +6956,9 @@
               <a:effectLst/>
               <a:uLnTx/>
               <a:uFillTx/>
-              <a:latin typeface="Arial" pitchFamily="34" charset="0"/>
+              <a:latin typeface="Arial" panose="020B0604020202020204" pitchFamily="34" charset="0"/>
               <a:ea typeface="+mn-ea"/>
-              <a:cs typeface="Arial" pitchFamily="34" charset="0"/>
+              <a:cs typeface="Arial" panose="020B0604020202020204" pitchFamily="34" charset="0"/>
             </a:endParaRPr>
           </a:p>
         </p:txBody>
@@ -7019,9 +6966,7 @@
       <p:sp>
         <p:nvSpPr>
           <p:cNvPr id="8" name="Slide Number Placeholder 5"/>
-          <p:cNvSpPr txBox="1">
-            <a:spLocks/>
-          </p:cNvSpPr>
+          <p:cNvSpPr txBox="1"/>
           <p:nvPr/>
         </p:nvSpPr>
         <p:spPr>
@@ -7034,19 +6979,15 @@
           </a:prstGeom>
         </p:spPr>
         <p:txBody>
-          <a:bodyPr vert="horz" wrap="square" lIns="91440" tIns="45720" rIns="91440" bIns="45720" numCol="1" anchor="ctr" anchorCtr="0" compatLnSpc="1">
-            <a:prstTxWarp prst="textNoShape">
-              <a:avLst/>
-            </a:prstTxWarp>
-          </a:bodyPr>
+          <a:bodyPr vert="horz" wrap="square" lIns="91440" tIns="45720" rIns="91440" bIns="45720" numCol="1" anchor="ctr" anchorCtr="0" compatLnSpc="1"/>
           <a:lstStyle>
             <a:lvl1pPr algn="r">
               <a:defRPr sz="1000">
                 <a:solidFill>
                   <a:schemeClr val="bg1"/>
                 </a:solidFill>
-                <a:latin typeface="Arial" pitchFamily="34" charset="0"/>
-                <a:cs typeface="Arial" pitchFamily="34" charset="0"/>
+                <a:latin typeface="Arial" panose="020B0604020202020204" pitchFamily="34" charset="0"/>
+                <a:cs typeface="Arial" panose="020B0604020202020204" pitchFamily="34" charset="0"/>
               </a:defRPr>
             </a:lvl1pPr>
           </a:lstStyle>
@@ -7065,7 +7006,6 @@
               <a:buSzTx/>
               <a:buFontTx/>
               <a:buNone/>
-              <a:tabLst/>
               <a:defRPr/>
             </a:pPr>
             <a:fld id="{D84F1FFC-C151-4ABD-8AD1-CE75123F0C80}" type="slidenum">
@@ -7079,28 +7019,10 @@
                 <a:effectLst/>
                 <a:uLnTx/>
                 <a:uFillTx/>
-                <a:latin typeface="Arial" pitchFamily="34" charset="0"/>
+                <a:latin typeface="Arial" panose="020B0604020202020204" pitchFamily="34" charset="0"/>
                 <a:ea typeface="+mn-ea"/>
-                <a:cs typeface="Arial" pitchFamily="34" charset="0"/>
+                <a:cs typeface="Arial" panose="020B0604020202020204" pitchFamily="34" charset="0"/>
               </a:rPr>
-              <a:pPr marL="0" marR="0" lvl="0" indent="0" algn="r" defTabSz="914400" rtl="0" eaLnBrk="1" fontAlgn="auto" latinLnBrk="0" hangingPunct="1">
-                <a:lnSpc>
-                  <a:spcPct val="100000"/>
-                </a:lnSpc>
-                <a:spcBef>
-                  <a:spcPts val="0"/>
-                </a:spcBef>
-                <a:spcAft>
-                  <a:spcPts val="0"/>
-                </a:spcAft>
-                <a:buClrTx/>
-                <a:buSzTx/>
-                <a:buFontTx/>
-                <a:buNone/>
-                <a:tabLst/>
-                <a:defRPr/>
-              </a:pPr>
-              <a:t>‹#›</a:t>
             </a:fld>
             <a:endParaRPr kumimoji="0" lang="en-US" sz="1000" b="0" i="0" u="none" strike="noStrike" kern="1200" cap="none" spc="0" normalizeH="0" baseline="0" noProof="0" dirty="0">
               <a:ln>
@@ -7112,9 +7034,9 @@
               <a:effectLst/>
               <a:uLnTx/>
               <a:uFillTx/>
-              <a:latin typeface="Arial" pitchFamily="34" charset="0"/>
+              <a:latin typeface="Arial" panose="020B0604020202020204" pitchFamily="34" charset="0"/>
               <a:ea typeface="+mn-ea"/>
-              <a:cs typeface="Arial" pitchFamily="34" charset="0"/>
+              <a:cs typeface="Arial" panose="020B0604020202020204" pitchFamily="34" charset="0"/>
             </a:endParaRPr>
           </a:p>
         </p:txBody>
@@ -7169,18 +7091,18 @@
   </p:cSld>
   <p:clrMap bg1="lt1" tx1="dk1" bg2="lt2" tx2="dk2" accent1="accent1" accent2="accent2" accent3="accent3" accent4="accent4" accent5="accent5" accent6="accent6" hlink="hlink" folHlink="folHlink"/>
   <p:sldLayoutIdLst>
-    <p:sldLayoutId id="2147483673" r:id="rId1"/>
-    <p:sldLayoutId id="2147483674" r:id="rId2"/>
-    <p:sldLayoutId id="2147483675" r:id="rId3"/>
-    <p:sldLayoutId id="2147483676" r:id="rId4"/>
-    <p:sldLayoutId id="2147483677" r:id="rId5"/>
-    <p:sldLayoutId id="2147483678" r:id="rId6"/>
-    <p:sldLayoutId id="2147483679" r:id="rId7"/>
-    <p:sldLayoutId id="2147483680" r:id="rId8"/>
-    <p:sldLayoutId id="2147483681" r:id="rId9"/>
-    <p:sldLayoutId id="2147483682" r:id="rId10"/>
-    <p:sldLayoutId id="2147483683" r:id="rId11"/>
-    <p:sldLayoutId id="2147483649" r:id="rId12"/>
+    <p:sldLayoutId id="2147483661" r:id="rId1"/>
+    <p:sldLayoutId id="2147483662" r:id="rId2"/>
+    <p:sldLayoutId id="2147483663" r:id="rId3"/>
+    <p:sldLayoutId id="2147483664" r:id="rId4"/>
+    <p:sldLayoutId id="2147483665" r:id="rId5"/>
+    <p:sldLayoutId id="2147483666" r:id="rId6"/>
+    <p:sldLayoutId id="2147483667" r:id="rId7"/>
+    <p:sldLayoutId id="2147483668" r:id="rId8"/>
+    <p:sldLayoutId id="2147483669" r:id="rId9"/>
+    <p:sldLayoutId id="2147483670" r:id="rId10"/>
+    <p:sldLayoutId id="2147483671" r:id="rId11"/>
+    <p:sldLayoutId id="2147483672" r:id="rId12"/>
   </p:sldLayoutIdLst>
   <p:hf hdr="0" dt="0"/>
   <p:txStyles>
@@ -7197,8 +7119,8 @@
             <a:schemeClr val="tx1"/>
           </a:solidFill>
           <a:latin typeface="+mj-lt"/>
-          <a:ea typeface="ＭＳ Ｐゴシック" pitchFamily="34" charset="-128"/>
-          <a:cs typeface="Arial" pitchFamily="34" charset="0"/>
+          <a:ea typeface="MS PGothic" panose="020B0600070205080204" pitchFamily="34" charset="-128"/>
+          <a:cs typeface="Arial" panose="020B0604020202020204" pitchFamily="34" charset="0"/>
         </a:defRPr>
       </a:lvl1pPr>
       <a:lvl2pPr algn="ctr" defTabSz="457200" rtl="0" eaLnBrk="1" fontAlgn="base" hangingPunct="1">
@@ -7212,8 +7134,8 @@
           <a:solidFill>
             <a:schemeClr val="tx1"/>
           </a:solidFill>
-          <a:latin typeface="Calibri" pitchFamily="34" charset="0"/>
-          <a:ea typeface="ＭＳ Ｐゴシック" pitchFamily="34" charset="-128"/>
+          <a:latin typeface="Calibri" panose="020F0502020204030204" pitchFamily="34" charset="0"/>
+          <a:ea typeface="MS PGothic" panose="020B0600070205080204" pitchFamily="34" charset="-128"/>
         </a:defRPr>
       </a:lvl2pPr>
       <a:lvl3pPr algn="ctr" defTabSz="457200" rtl="0" eaLnBrk="1" fontAlgn="base" hangingPunct="1">
@@ -7227,8 +7149,8 @@
           <a:solidFill>
             <a:schemeClr val="tx1"/>
           </a:solidFill>
-          <a:latin typeface="Calibri" pitchFamily="34" charset="0"/>
-          <a:ea typeface="ＭＳ Ｐゴシック" pitchFamily="34" charset="-128"/>
+          <a:latin typeface="Calibri" panose="020F0502020204030204" pitchFamily="34" charset="0"/>
+          <a:ea typeface="MS PGothic" panose="020B0600070205080204" pitchFamily="34" charset="-128"/>
         </a:defRPr>
       </a:lvl3pPr>
       <a:lvl4pPr algn="ctr" defTabSz="457200" rtl="0" eaLnBrk="1" fontAlgn="base" hangingPunct="1">
@@ -7242,8 +7164,8 @@
           <a:solidFill>
             <a:schemeClr val="tx1"/>
           </a:solidFill>
-          <a:latin typeface="Calibri" pitchFamily="34" charset="0"/>
-          <a:ea typeface="ＭＳ Ｐゴシック" pitchFamily="34" charset="-128"/>
+          <a:latin typeface="Calibri" panose="020F0502020204030204" pitchFamily="34" charset="0"/>
+          <a:ea typeface="MS PGothic" panose="020B0600070205080204" pitchFamily="34" charset="-128"/>
         </a:defRPr>
       </a:lvl4pPr>
       <a:lvl5pPr algn="ctr" defTabSz="457200" rtl="0" eaLnBrk="1" fontAlgn="base" hangingPunct="1">
@@ -7257,8 +7179,8 @@
           <a:solidFill>
             <a:schemeClr val="tx1"/>
           </a:solidFill>
-          <a:latin typeface="Calibri" pitchFamily="34" charset="0"/>
-          <a:ea typeface="ＭＳ Ｐゴシック" pitchFamily="34" charset="-128"/>
+          <a:latin typeface="Calibri" panose="020F0502020204030204" pitchFamily="34" charset="0"/>
+          <a:ea typeface="MS PGothic" panose="020B0600070205080204" pitchFamily="34" charset="-128"/>
         </a:defRPr>
       </a:lvl5pPr>
       <a:lvl6pPr marL="457200" algn="ctr" defTabSz="457200" rtl="0" eaLnBrk="1" fontAlgn="base" hangingPunct="1">
@@ -7272,8 +7194,8 @@
           <a:solidFill>
             <a:schemeClr val="tx1"/>
           </a:solidFill>
-          <a:latin typeface="Calibri" pitchFamily="34" charset="0"/>
-          <a:ea typeface="ＭＳ Ｐゴシック" pitchFamily="34" charset="-128"/>
+          <a:latin typeface="Calibri" panose="020F0502020204030204" pitchFamily="34" charset="0"/>
+          <a:ea typeface="MS PGothic" panose="020B0600070205080204" pitchFamily="34" charset="-128"/>
         </a:defRPr>
       </a:lvl6pPr>
       <a:lvl7pPr marL="914400" algn="ctr" defTabSz="457200" rtl="0" eaLnBrk="1" fontAlgn="base" hangingPunct="1">
@@ -7287,8 +7209,8 @@
           <a:solidFill>
             <a:schemeClr val="tx1"/>
           </a:solidFill>
-          <a:latin typeface="Calibri" pitchFamily="34" charset="0"/>
-          <a:ea typeface="ＭＳ Ｐゴシック" pitchFamily="34" charset="-128"/>
+          <a:latin typeface="Calibri" panose="020F0502020204030204" pitchFamily="34" charset="0"/>
+          <a:ea typeface="MS PGothic" panose="020B0600070205080204" pitchFamily="34" charset="-128"/>
         </a:defRPr>
       </a:lvl7pPr>
       <a:lvl8pPr marL="1371600" algn="ctr" defTabSz="457200" rtl="0" eaLnBrk="1" fontAlgn="base" hangingPunct="1">
@@ -7302,8 +7224,8 @@
           <a:solidFill>
             <a:schemeClr val="tx1"/>
           </a:solidFill>
-          <a:latin typeface="Calibri" pitchFamily="34" charset="0"/>
-          <a:ea typeface="ＭＳ Ｐゴシック" pitchFamily="34" charset="-128"/>
+          <a:latin typeface="Calibri" panose="020F0502020204030204" pitchFamily="34" charset="0"/>
+          <a:ea typeface="MS PGothic" panose="020B0600070205080204" pitchFamily="34" charset="-128"/>
         </a:defRPr>
       </a:lvl8pPr>
       <a:lvl9pPr marL="1828800" algn="ctr" defTabSz="457200" rtl="0" eaLnBrk="1" fontAlgn="base" hangingPunct="1">
@@ -7317,8 +7239,8 @@
           <a:solidFill>
             <a:schemeClr val="tx1"/>
           </a:solidFill>
-          <a:latin typeface="Calibri" pitchFamily="34" charset="0"/>
-          <a:ea typeface="ＭＳ Ｐゴシック" pitchFamily="34" charset="-128"/>
+          <a:latin typeface="Calibri" panose="020F0502020204030204" pitchFamily="34" charset="0"/>
+          <a:ea typeface="MS PGothic" panose="020B0600070205080204" pitchFamily="34" charset="-128"/>
         </a:defRPr>
       </a:lvl9pPr>
     </p:titleStyle>
@@ -7330,15 +7252,15 @@
         <a:spcAft>
           <a:spcPct val="0"/>
         </a:spcAft>
-        <a:buFont typeface="Arial" pitchFamily="34" charset="0"/>
+        <a:buFont typeface="Arial" panose="020B0604020202020204" pitchFamily="34" charset="0"/>
         <a:buChar char="•"/>
         <a:defRPr sz="3200" kern="1200">
           <a:solidFill>
             <a:schemeClr val="tx1"/>
           </a:solidFill>
           <a:latin typeface="+mj-lt"/>
-          <a:ea typeface="ＭＳ Ｐゴシック" pitchFamily="34" charset="-128"/>
-          <a:cs typeface="Arial" pitchFamily="34" charset="0"/>
+          <a:ea typeface="MS PGothic" panose="020B0600070205080204" pitchFamily="34" charset="-128"/>
+          <a:cs typeface="Arial" panose="020B0604020202020204" pitchFamily="34" charset="0"/>
         </a:defRPr>
       </a:lvl1pPr>
       <a:lvl2pPr marL="742950" indent="-285750" algn="l" defTabSz="457200" rtl="0" eaLnBrk="1" fontAlgn="base" hangingPunct="1">
@@ -7348,15 +7270,15 @@
         <a:spcAft>
           <a:spcPct val="0"/>
         </a:spcAft>
-        <a:buFont typeface="Arial" pitchFamily="34" charset="0"/>
+        <a:buFont typeface="Arial" panose="020B0604020202020204" pitchFamily="34" charset="0"/>
         <a:buChar char="–"/>
         <a:defRPr sz="2800" kern="1200">
           <a:solidFill>
             <a:schemeClr val="tx1"/>
           </a:solidFill>
           <a:latin typeface="+mj-lt"/>
-          <a:ea typeface="ＭＳ Ｐゴシック" pitchFamily="34" charset="-128"/>
-          <a:cs typeface="Arial" pitchFamily="34" charset="0"/>
+          <a:ea typeface="MS PGothic" panose="020B0600070205080204" pitchFamily="34" charset="-128"/>
+          <a:cs typeface="Arial" panose="020B0604020202020204" pitchFamily="34" charset="0"/>
         </a:defRPr>
       </a:lvl2pPr>
       <a:lvl3pPr marL="1143000" indent="-228600" algn="l" defTabSz="457200" rtl="0" eaLnBrk="1" fontAlgn="base" hangingPunct="1">
@@ -7366,15 +7288,15 @@
         <a:spcAft>
           <a:spcPct val="0"/>
         </a:spcAft>
-        <a:buFont typeface="Arial" pitchFamily="34" charset="0"/>
+        <a:buFont typeface="Arial" panose="020B0604020202020204" pitchFamily="34" charset="0"/>
         <a:buChar char="•"/>
         <a:defRPr sz="2400" kern="1200">
           <a:solidFill>
             <a:schemeClr val="tx1"/>
           </a:solidFill>
           <a:latin typeface="+mj-lt"/>
-          <a:ea typeface="ＭＳ Ｐゴシック" pitchFamily="34" charset="-128"/>
-          <a:cs typeface="Arial" pitchFamily="34" charset="0"/>
+          <a:ea typeface="MS PGothic" panose="020B0600070205080204" pitchFamily="34" charset="-128"/>
+          <a:cs typeface="Arial" panose="020B0604020202020204" pitchFamily="34" charset="0"/>
         </a:defRPr>
       </a:lvl3pPr>
       <a:lvl4pPr marL="1600200" indent="-228600" algn="l" defTabSz="457200" rtl="0" eaLnBrk="1" fontAlgn="base" hangingPunct="1">
@@ -7384,15 +7306,15 @@
         <a:spcAft>
           <a:spcPct val="0"/>
         </a:spcAft>
-        <a:buFont typeface="Arial" pitchFamily="34" charset="0"/>
+        <a:buFont typeface="Arial" panose="020B0604020202020204" pitchFamily="34" charset="0"/>
         <a:buChar char="–"/>
         <a:defRPr sz="2000" kern="1200">
           <a:solidFill>
             <a:schemeClr val="tx1"/>
           </a:solidFill>
           <a:latin typeface="+mj-lt"/>
-          <a:ea typeface="ＭＳ Ｐゴシック" pitchFamily="34" charset="-128"/>
-          <a:cs typeface="Arial" pitchFamily="34" charset="0"/>
+          <a:ea typeface="MS PGothic" panose="020B0600070205080204" pitchFamily="34" charset="-128"/>
+          <a:cs typeface="Arial" panose="020B0604020202020204" pitchFamily="34" charset="0"/>
         </a:defRPr>
       </a:lvl4pPr>
       <a:lvl5pPr marL="2057400" indent="-228600" algn="l" defTabSz="457200" rtl="0" eaLnBrk="1" fontAlgn="base" hangingPunct="1">
@@ -7402,22 +7324,22 @@
         <a:spcAft>
           <a:spcPct val="0"/>
         </a:spcAft>
-        <a:buFont typeface="Arial" pitchFamily="34" charset="0"/>
+        <a:buFont typeface="Arial" panose="020B0604020202020204" pitchFamily="34" charset="0"/>
         <a:buChar char="»"/>
         <a:defRPr sz="2000" kern="1200">
           <a:solidFill>
             <a:schemeClr val="tx1"/>
           </a:solidFill>
           <a:latin typeface="+mj-lt"/>
-          <a:ea typeface="ＭＳ Ｐゴシック" pitchFamily="34" charset="-128"/>
-          <a:cs typeface="Arial" pitchFamily="34" charset="0"/>
+          <a:ea typeface="MS PGothic" panose="020B0600070205080204" pitchFamily="34" charset="-128"/>
+          <a:cs typeface="Arial" panose="020B0604020202020204" pitchFamily="34" charset="0"/>
         </a:defRPr>
       </a:lvl5pPr>
       <a:lvl6pPr marL="2514600" indent="-228600" algn="l" defTabSz="457200" rtl="0" eaLnBrk="1" latinLnBrk="0" hangingPunct="1">
         <a:spcBef>
           <a:spcPct val="20000"/>
         </a:spcBef>
-        <a:buFont typeface="Arial"/>
+        <a:buFont typeface="Arial" panose="020B0604020202020204"/>
         <a:buChar char="•"/>
         <a:defRPr sz="2000" kern="1200">
           <a:solidFill>
@@ -7432,7 +7354,7 @@
         <a:spcBef>
           <a:spcPct val="20000"/>
         </a:spcBef>
-        <a:buFont typeface="Arial"/>
+        <a:buFont typeface="Arial" panose="020B0604020202020204"/>
         <a:buChar char="•"/>
         <a:defRPr sz="2000" kern="1200">
           <a:solidFill>
@@ -7447,7 +7369,7 @@
         <a:spcBef>
           <a:spcPct val="20000"/>
         </a:spcBef>
-        <a:buFont typeface="Arial"/>
+        <a:buFont typeface="Arial" panose="020B0604020202020204"/>
         <a:buChar char="•"/>
         <a:defRPr sz="2000" kern="1200">
           <a:solidFill>
@@ -7462,7 +7384,7 @@
         <a:spcBef>
           <a:spcPct val="20000"/>
         </a:spcBef>
-        <a:buFont typeface="Arial"/>
+        <a:buFont typeface="Arial" panose="020B0604020202020204"/>
         <a:buChar char="•"/>
         <a:defRPr sz="2000" kern="1200">
           <a:solidFill>
@@ -7579,13 +7501,7 @@
     <p:bg>
       <p:bgPr>
         <a:blipFill dpi="0" rotWithShape="0">
-          <a:blip r:embed="rId2" cstate="screen">
-            <a:extLst>
-              <a:ext uri="{28A0092B-C50C-407E-A947-70E740481C1C}">
-                <a14:useLocalDpi xmlns:a14="http://schemas.microsoft.com/office/drawing/2010/main"/>
-              </a:ext>
-            </a:extLst>
-          </a:blip>
+          <a:blip r:embed="rId1" cstate="screen"/>
           <a:srcRect/>
           <a:stretch>
             <a:fillRect/>
@@ -7662,13 +7578,7 @@
           <p:nvPr/>
         </p:nvPicPr>
         <p:blipFill>
-          <a:blip r:embed="rId3" cstate="screen">
-            <a:extLst>
-              <a:ext uri="{28A0092B-C50C-407E-A947-70E740481C1C}">
-                <a14:useLocalDpi xmlns:a14="http://schemas.microsoft.com/office/drawing/2010/main"/>
-              </a:ext>
-            </a:extLst>
-          </a:blip>
+          <a:blip r:embed="rId2" cstate="screen"/>
           <a:stretch>
             <a:fillRect/>
           </a:stretch>
@@ -7703,8 +7613,6 @@
           <a:ln w="9525">
             <a:noFill/>
             <a:round/>
-            <a:headEnd/>
-            <a:tailEnd/>
           </a:ln>
         </p:spPr>
         <p:txBody>
@@ -7724,6 +7632,13 @@
               </a:rPr>
               <a:t>FPT EDUCATION</a:t>
             </a:r>
+            <a:endParaRPr lang="en-US" sz="3200" b="1" i="0" dirty="0">
+              <a:solidFill>
+                <a:schemeClr val="bg1"/>
+              </a:solidFill>
+              <a:effectLst/>
+              <a:latin typeface="Open Sans" panose="020B0606030504020204" pitchFamily="34" charset="0"/>
+            </a:endParaRPr>
           </a:p>
         </p:txBody>
       </p:sp>
@@ -7747,8 +7662,6 @@
           <a:ln w="9525">
             <a:noFill/>
             <a:round/>
-            <a:headEnd/>
-            <a:tailEnd/>
           </a:ln>
         </p:spPr>
         <p:txBody>
@@ -7768,7 +7681,7 @@
                 <a:srgbClr val="000000"/>
               </a:buClr>
               <a:buSzPct val="100000"/>
-              <a:buFont typeface="Times New Roman" pitchFamily="18" charset="0"/>
+              <a:buFont typeface="Times New Roman" panose="02020603050405020304" pitchFamily="18" charset="0"/>
               <a:buNone/>
               <a:tabLst>
                 <a:tab pos="0" algn="l"/>
@@ -7826,8 +7739,6 @@
           <a:ln w="9525">
             <a:noFill/>
             <a:round/>
-            <a:headEnd/>
-            <a:tailEnd/>
           </a:ln>
         </p:spPr>
         <p:txBody>
@@ -7838,13 +7749,13 @@
           <a:p>
             <a:pPr>
               <a:spcBef>
-                <a:spcPts val="1063"/>
+                <a:spcPts val="1065"/>
               </a:spcBef>
               <a:buClr>
                 <a:srgbClr val="000000"/>
               </a:buClr>
               <a:buSzPct val="100000"/>
-              <a:buFont typeface="Times New Roman" pitchFamily="18" charset="0"/>
+              <a:buFont typeface="Times New Roman" panose="02020603050405020304" pitchFamily="18" charset="0"/>
               <a:buNone/>
               <a:tabLst>
                 <a:tab pos="0" algn="l"/>
@@ -7867,21 +7778,28 @@
                   <a:schemeClr val="bg1"/>
                 </a:solidFill>
                 <a:latin typeface="+mj-lt"/>
-                <a:cs typeface="Arial" pitchFamily="34" charset="0"/>
+                <a:cs typeface="Arial" panose="020B0604020202020204" pitchFamily="34" charset="0"/>
               </a:rPr>
               <a:t>Version 1.0</a:t>
             </a:r>
+            <a:endParaRPr lang="en-US" sz="2000" dirty="0">
+              <a:solidFill>
+                <a:schemeClr val="bg1"/>
+              </a:solidFill>
+              <a:latin typeface="+mj-lt"/>
+              <a:cs typeface="Arial" panose="020B0604020202020204" pitchFamily="34" charset="0"/>
+            </a:endParaRPr>
           </a:p>
           <a:p>
             <a:pPr>
               <a:spcBef>
-                <a:spcPts val="1063"/>
+                <a:spcPts val="1065"/>
               </a:spcBef>
               <a:buClr>
                 <a:srgbClr val="000000"/>
               </a:buClr>
               <a:buSzPct val="100000"/>
-              <a:buFont typeface="Times New Roman" pitchFamily="18" charset="0"/>
+              <a:buFont typeface="Times New Roman" panose="02020603050405020304" pitchFamily="18" charset="0"/>
               <a:buNone/>
               <a:tabLst>
                 <a:tab pos="0" algn="l"/>
@@ -7903,7 +7821,7 @@
                 <a:schemeClr val="bg1"/>
               </a:solidFill>
               <a:latin typeface="+mj-lt"/>
-              <a:cs typeface="Arial" pitchFamily="34" charset="0"/>
+              <a:cs typeface="Arial" panose="020B0604020202020204" pitchFamily="34" charset="0"/>
             </a:endParaRPr>
           </a:p>
         </p:txBody>
@@ -7917,13 +7835,7 @@
           <p:nvPr/>
         </p:nvPicPr>
         <p:blipFill>
-          <a:blip r:embed="rId4" cstate="screen">
-            <a:extLst>
-              <a:ext uri="{28A0092B-C50C-407E-A947-70E740481C1C}">
-                <a14:useLocalDpi xmlns:a14="http://schemas.microsoft.com/office/drawing/2010/main"/>
-              </a:ext>
-            </a:extLst>
-          </a:blip>
+          <a:blip r:embed="rId3" cstate="screen"/>
           <a:stretch>
             <a:fillRect/>
           </a:stretch>
@@ -8008,20 +7920,14 @@
       </p:sp>
       <p:pic>
         <p:nvPicPr>
-          <p:cNvPr id="4" name="Picture 3">
-            <a:extLst>
-              <a:ext uri="{FF2B5EF4-FFF2-40B4-BE49-F238E27FC236}">
-                <a16:creationId xmlns:a16="http://schemas.microsoft.com/office/drawing/2014/main" id="{04E9140A-9075-4486-830C-757E066A0BDA}"/>
-              </a:ext>
-            </a:extLst>
-          </p:cNvPr>
+          <p:cNvPr id="4" name="Picture 3"/>
           <p:cNvPicPr>
             <a:picLocks noChangeAspect="1"/>
           </p:cNvPicPr>
           <p:nvPr/>
         </p:nvPicPr>
         <p:blipFill>
-          <a:blip r:embed="rId3"/>
+          <a:blip r:embed="rId1"/>
           <a:stretch>
             <a:fillRect/>
           </a:stretch>
@@ -8037,11 +7943,6 @@
         </p:spPr>
       </p:pic>
     </p:spTree>
-    <p:extLst>
-      <p:ext uri="{BB962C8B-B14F-4D97-AF65-F5344CB8AC3E}">
-        <p14:creationId xmlns:p14="http://schemas.microsoft.com/office/powerpoint/2010/main" val="3166407749"/>
-      </p:ext>
-    </p:extLst>
   </p:cSld>
   <p:clrMapOvr>
     <a:masterClrMapping/>
@@ -8108,20 +8009,14 @@
       </p:sp>
       <p:pic>
         <p:nvPicPr>
-          <p:cNvPr id="5" name="Picture 4">
-            <a:extLst>
-              <a:ext uri="{FF2B5EF4-FFF2-40B4-BE49-F238E27FC236}">
-                <a16:creationId xmlns:a16="http://schemas.microsoft.com/office/drawing/2014/main" id="{26813A25-A10A-44C5-BEAA-3F30BF2B4EF0}"/>
-              </a:ext>
-            </a:extLst>
-          </p:cNvPr>
+          <p:cNvPr id="5" name="Picture 4"/>
           <p:cNvPicPr>
             <a:picLocks noChangeAspect="1"/>
           </p:cNvPicPr>
           <p:nvPr/>
         </p:nvPicPr>
         <p:blipFill>
-          <a:blip r:embed="rId3"/>
+          <a:blip r:embed="rId1"/>
           <a:stretch>
             <a:fillRect/>
           </a:stretch>
@@ -8137,11 +8032,6 @@
         </p:spPr>
       </p:pic>
     </p:spTree>
-    <p:extLst>
-      <p:ext uri="{BB962C8B-B14F-4D97-AF65-F5344CB8AC3E}">
-        <p14:creationId xmlns:p14="http://schemas.microsoft.com/office/powerpoint/2010/main" val="2215379075"/>
-      </p:ext>
-    </p:extLst>
   </p:cSld>
   <p:clrMapOvr>
     <a:masterClrMapping/>
@@ -8208,20 +8098,14 @@
       </p:sp>
       <p:pic>
         <p:nvPicPr>
-          <p:cNvPr id="7" name="Picture 6">
-            <a:extLst>
-              <a:ext uri="{FF2B5EF4-FFF2-40B4-BE49-F238E27FC236}">
-                <a16:creationId xmlns:a16="http://schemas.microsoft.com/office/drawing/2014/main" id="{06D21F25-6D43-48D9-9768-CC29B0E3A579}"/>
-              </a:ext>
-            </a:extLst>
-          </p:cNvPr>
+          <p:cNvPr id="7" name="Picture 6"/>
           <p:cNvPicPr>
             <a:picLocks noChangeAspect="1"/>
           </p:cNvPicPr>
           <p:nvPr/>
         </p:nvPicPr>
         <p:blipFill>
-          <a:blip r:embed="rId3"/>
+          <a:blip r:embed="rId1"/>
           <a:stretch>
             <a:fillRect/>
           </a:stretch>
@@ -8237,11 +8121,6 @@
         </p:spPr>
       </p:pic>
     </p:spTree>
-    <p:extLst>
-      <p:ext uri="{BB962C8B-B14F-4D97-AF65-F5344CB8AC3E}">
-        <p14:creationId xmlns:p14="http://schemas.microsoft.com/office/powerpoint/2010/main" val="2111344515"/>
-      </p:ext>
-    </p:extLst>
   </p:cSld>
   <p:clrMapOvr>
     <a:masterClrMapping/>
@@ -8308,20 +8187,14 @@
       </p:sp>
       <p:pic>
         <p:nvPicPr>
-          <p:cNvPr id="6" name="Picture 5">
-            <a:extLst>
-              <a:ext uri="{FF2B5EF4-FFF2-40B4-BE49-F238E27FC236}">
-                <a16:creationId xmlns:a16="http://schemas.microsoft.com/office/drawing/2014/main" id="{B85B7AD7-101B-4594-9CFA-1BAC2E61D4B3}"/>
-              </a:ext>
-            </a:extLst>
-          </p:cNvPr>
+          <p:cNvPr id="6" name="Picture 5"/>
           <p:cNvPicPr>
             <a:picLocks noChangeAspect="1"/>
           </p:cNvPicPr>
           <p:nvPr/>
         </p:nvPicPr>
         <p:blipFill>
-          <a:blip r:embed="rId3"/>
+          <a:blip r:embed="rId1"/>
           <a:stretch>
             <a:fillRect/>
           </a:stretch>
@@ -8337,11 +8210,6 @@
         </p:spPr>
       </p:pic>
     </p:spTree>
-    <p:extLst>
-      <p:ext uri="{BB962C8B-B14F-4D97-AF65-F5344CB8AC3E}">
-        <p14:creationId xmlns:p14="http://schemas.microsoft.com/office/powerpoint/2010/main" val="703660892"/>
-      </p:ext>
-    </p:extLst>
   </p:cSld>
   <p:clrMapOvr>
     <a:masterClrMapping/>
@@ -8408,20 +8276,14 @@
       </p:sp>
       <p:pic>
         <p:nvPicPr>
-          <p:cNvPr id="4" name="Picture 3">
-            <a:extLst>
-              <a:ext uri="{FF2B5EF4-FFF2-40B4-BE49-F238E27FC236}">
-                <a16:creationId xmlns:a16="http://schemas.microsoft.com/office/drawing/2014/main" id="{27442D8B-61F8-4139-9B28-BAB2D415BBF0}"/>
-              </a:ext>
-            </a:extLst>
-          </p:cNvPr>
+          <p:cNvPr id="4" name="Picture 3"/>
           <p:cNvPicPr>
             <a:picLocks noChangeAspect="1"/>
           </p:cNvPicPr>
           <p:nvPr/>
         </p:nvPicPr>
         <p:blipFill>
-          <a:blip r:embed="rId3"/>
+          <a:blip r:embed="rId1"/>
           <a:stretch>
             <a:fillRect/>
           </a:stretch>
@@ -8437,11 +8299,6 @@
         </p:spPr>
       </p:pic>
     </p:spTree>
-    <p:extLst>
-      <p:ext uri="{BB962C8B-B14F-4D97-AF65-F5344CB8AC3E}">
-        <p14:creationId xmlns:p14="http://schemas.microsoft.com/office/powerpoint/2010/main" val="2328934570"/>
-      </p:ext>
-    </p:extLst>
   </p:cSld>
   <p:clrMapOvr>
     <a:masterClrMapping/>
@@ -8508,27 +8365,21 @@
       </p:sp>
       <p:pic>
         <p:nvPicPr>
-          <p:cNvPr id="6" name="Picture 5">
-            <a:extLst>
-              <a:ext uri="{FF2B5EF4-FFF2-40B4-BE49-F238E27FC236}">
-                <a16:creationId xmlns:a16="http://schemas.microsoft.com/office/drawing/2014/main" id="{2E4684B1-E8DF-4E62-A3F2-916123AA7FDF}"/>
-              </a:ext>
-            </a:extLst>
-          </p:cNvPr>
+          <p:cNvPr id="6" name="Picture 5"/>
           <p:cNvPicPr>
             <a:picLocks noChangeAspect="1"/>
           </p:cNvPicPr>
           <p:nvPr/>
         </p:nvPicPr>
         <p:blipFill>
-          <a:blip r:embed="rId3"/>
+          <a:blip r:embed="rId1"/>
           <a:stretch>
             <a:fillRect/>
           </a:stretch>
         </p:blipFill>
         <p:spPr>
           <a:xfrm>
-            <a:off x="1178015" y="1454426"/>
+            <a:off x="228690" y="457476"/>
             <a:ext cx="6787969" cy="4846983"/>
           </a:xfrm>
           <a:prstGeom prst="rect">
@@ -8537,11 +8388,6 @@
         </p:spPr>
       </p:pic>
     </p:spTree>
-    <p:extLst>
-      <p:ext uri="{BB962C8B-B14F-4D97-AF65-F5344CB8AC3E}">
-        <p14:creationId xmlns:p14="http://schemas.microsoft.com/office/powerpoint/2010/main" val="1039605911"/>
-      </p:ext>
-    </p:extLst>
   </p:cSld>
   <p:clrMapOvr>
     <a:masterClrMapping/>
@@ -8608,27 +8454,21 @@
       </p:sp>
       <p:pic>
         <p:nvPicPr>
-          <p:cNvPr id="6" name="Picture 5">
-            <a:extLst>
-              <a:ext uri="{FF2B5EF4-FFF2-40B4-BE49-F238E27FC236}">
-                <a16:creationId xmlns:a16="http://schemas.microsoft.com/office/drawing/2014/main" id="{DDDAD2EB-2320-4DC5-88AC-CE7122937D9A}"/>
-              </a:ext>
-            </a:extLst>
-          </p:cNvPr>
+          <p:cNvPr id="6" name="Picture 5"/>
           <p:cNvPicPr>
             <a:picLocks noChangeAspect="1"/>
           </p:cNvPicPr>
           <p:nvPr/>
         </p:nvPicPr>
         <p:blipFill>
-          <a:blip r:embed="rId3"/>
+          <a:blip r:embed="rId1"/>
           <a:stretch>
             <a:fillRect/>
           </a:stretch>
         </p:blipFill>
         <p:spPr>
           <a:xfrm>
-            <a:off x="1561169" y="1513804"/>
+            <a:off x="914104" y="76164"/>
             <a:ext cx="6668431" cy="4810796"/>
           </a:xfrm>
           <a:prstGeom prst="rect">
@@ -8637,11 +8477,6 @@
         </p:spPr>
       </p:pic>
     </p:spTree>
-    <p:extLst>
-      <p:ext uri="{BB962C8B-B14F-4D97-AF65-F5344CB8AC3E}">
-        <p14:creationId xmlns:p14="http://schemas.microsoft.com/office/powerpoint/2010/main" val="3624497140"/>
-      </p:ext>
-    </p:extLst>
   </p:cSld>
   <p:clrMapOvr>
     <a:masterClrMapping/>
@@ -8708,20 +8543,14 @@
       </p:sp>
       <p:pic>
         <p:nvPicPr>
-          <p:cNvPr id="5" name="Picture 4">
-            <a:extLst>
-              <a:ext uri="{FF2B5EF4-FFF2-40B4-BE49-F238E27FC236}">
-                <a16:creationId xmlns:a16="http://schemas.microsoft.com/office/drawing/2014/main" id="{A6FC1955-85AE-4085-82AE-8548E6DF9EE0}"/>
-              </a:ext>
-            </a:extLst>
-          </p:cNvPr>
+          <p:cNvPr id="5" name="Picture 4"/>
           <p:cNvPicPr>
             <a:picLocks noChangeAspect="1"/>
           </p:cNvPicPr>
           <p:nvPr/>
         </p:nvPicPr>
         <p:blipFill>
-          <a:blip r:embed="rId3"/>
+          <a:blip r:embed="rId1"/>
           <a:stretch>
             <a:fillRect/>
           </a:stretch>
@@ -8737,11 +8566,6 @@
         </p:spPr>
       </p:pic>
     </p:spTree>
-    <p:extLst>
-      <p:ext uri="{BB962C8B-B14F-4D97-AF65-F5344CB8AC3E}">
-        <p14:creationId xmlns:p14="http://schemas.microsoft.com/office/powerpoint/2010/main" val="3230899696"/>
-      </p:ext>
-    </p:extLst>
   </p:cSld>
   <p:clrMapOvr>
     <a:masterClrMapping/>
@@ -8808,20 +8632,14 @@
       </p:sp>
       <p:pic>
         <p:nvPicPr>
-          <p:cNvPr id="5" name="Picture 4">
-            <a:extLst>
-              <a:ext uri="{FF2B5EF4-FFF2-40B4-BE49-F238E27FC236}">
-                <a16:creationId xmlns:a16="http://schemas.microsoft.com/office/drawing/2014/main" id="{017E98F4-943D-433F-A77F-1EC84568EBBF}"/>
-              </a:ext>
-            </a:extLst>
-          </p:cNvPr>
+          <p:cNvPr id="5" name="Picture 4"/>
           <p:cNvPicPr>
             <a:picLocks noChangeAspect="1"/>
           </p:cNvPicPr>
           <p:nvPr/>
         </p:nvPicPr>
         <p:blipFill>
-          <a:blip r:embed="rId3"/>
+          <a:blip r:embed="rId1"/>
           <a:stretch>
             <a:fillRect/>
           </a:stretch>
@@ -8837,11 +8655,6 @@
         </p:spPr>
       </p:pic>
     </p:spTree>
-    <p:extLst>
-      <p:ext uri="{BB962C8B-B14F-4D97-AF65-F5344CB8AC3E}">
-        <p14:creationId xmlns:p14="http://schemas.microsoft.com/office/powerpoint/2010/main" val="322051406"/>
-      </p:ext>
-    </p:extLst>
   </p:cSld>
   <p:clrMapOvr>
     <a:masterClrMapping/>
@@ -9127,8 +8940,11 @@
       </a:bgFillStyleLst>
     </a:fmtScheme>
   </a:themeElements>
-  <a:objectDefaults/>
-  <a:extraClrSchemeLst/>
+  <a:extLst>
+    <a:ext uri="{05A4C25C-085E-4340-85A3-A5531E510DB2}">
+      <thm15:themeFamily xmlns:thm15="http://schemas.microsoft.com/office/thememl/2012/main" name="Office Theme" id="{62F939B6-93AF-4DB8-9C6B-D6C7DFDC589F}" vid="{4A3C46E8-61CC-4603-A589-7422A47A8E4A}"/>
+    </a:ext>
+  </a:extLst>
 </a:theme>
 </file>
 
@@ -9462,7 +9278,11 @@
       </a:style>
     </a:lnDef>
   </a:objectDefaults>
-  <a:extraClrSchemeLst/>
+  <a:extLst>
+    <a:ext uri="{05A4C25C-085E-4340-85A3-A5531E510DB2}">
+      <thm15:themeFamily xmlns:thm15="http://schemas.microsoft.com/office/thememl/2012/main" name="Office Theme" id="{62F939B6-93AF-4DB8-9C6B-D6C7DFDC589F}" vid="{4A3C46E8-61CC-4603-A589-7422A47A8E4A}"/>
+    </a:ext>
+  </a:extLst>
 </a:theme>
 </file>
 
@@ -9744,8 +9564,11 @@
       </a:bgFillStyleLst>
     </a:fmtScheme>
   </a:themeElements>
-  <a:objectDefaults/>
-  <a:extraClrSchemeLst/>
+  <a:extLst>
+    <a:ext uri="{05A4C25C-085E-4340-85A3-A5531E510DB2}">
+      <thm15:themeFamily xmlns:thm15="http://schemas.microsoft.com/office/thememl/2012/main" name="Office Theme" id="{62F939B6-93AF-4DB8-9C6B-D6C7DFDC589F}" vid="{4A3C46E8-61CC-4603-A589-7422A47A8E4A}"/>
+    </a:ext>
+  </a:extLst>
 </a:theme>
 </file>
 
@@ -10027,7 +9850,10 @@
       </a:bgFillStyleLst>
     </a:fmtScheme>
   </a:themeElements>
-  <a:objectDefaults/>
-  <a:extraClrSchemeLst/>
+  <a:extLst>
+    <a:ext uri="{05A4C25C-085E-4340-85A3-A5531E510DB2}">
+      <thm15:themeFamily xmlns:thm15="http://schemas.microsoft.com/office/thememl/2012/main" name="Office Theme" id="{62F939B6-93AF-4DB8-9C6B-D6C7DFDC589F}" vid="{4A3C46E8-61CC-4603-A589-7422A47A8E4A}"/>
+    </a:ext>
+  </a:extLst>
 </a:theme>
 </file>